--- a/logic/documents/Apresntação de POC II.pptx
+++ b/logic/documents/Apresntação de POC II.pptx
@@ -20,8 +20,8 @@
     <p:sldId id="265" r:id="rId11"/>
     <p:sldId id="264" r:id="rId12"/>
     <p:sldId id="267" r:id="rId13"/>
-    <p:sldId id="269" r:id="rId14"/>
-    <p:sldId id="283" r:id="rId15"/>
+    <p:sldId id="283" r:id="rId14"/>
+    <p:sldId id="269" r:id="rId15"/>
     <p:sldId id="270" r:id="rId16"/>
     <p:sldId id="272" r:id="rId17"/>
     <p:sldId id="281" r:id="rId18"/>
@@ -40,7 +40,7 @@
     <p:sldId id="285" r:id="rId31"/>
   </p:sldIdLst>
   <p:sldSz cx="9144000" cy="6858000" type="screen4x3"/>
-  <p:notesSz cx="6858000" cy="9144000"/>
+  <p:notesSz cx="7099300" cy="10234613"/>
   <p:defaultTextStyle>
     <a:defPPr>
       <a:defRPr lang="pt-BR"/>
@@ -174,17 +174,17 @@
         <p:spPr>
           <a:xfrm>
             <a:off x="0" y="0"/>
-            <a:ext cx="2971800" cy="457200"/>
+            <a:ext cx="3076363" cy="511731"/>
           </a:xfrm>
           <a:prstGeom prst="rect">
             <a:avLst/>
           </a:prstGeom>
         </p:spPr>
         <p:txBody>
-          <a:bodyPr vert="horz" lIns="91440" tIns="45720" rIns="91440" bIns="45720" rtlCol="0"/>
+          <a:bodyPr vert="horz" lIns="95655" tIns="47828" rIns="95655" bIns="47828" rtlCol="0"/>
           <a:lstStyle>
             <a:lvl1pPr algn="l">
-              <a:defRPr sz="1200"/>
+              <a:defRPr sz="1300"/>
             </a:lvl1pPr>
           </a:lstStyle>
           <a:p>
@@ -204,18 +204,18 @@
         </p:nvSpPr>
         <p:spPr>
           <a:xfrm>
-            <a:off x="3884613" y="0"/>
-            <a:ext cx="2971800" cy="457200"/>
+            <a:off x="4021294" y="0"/>
+            <a:ext cx="3076363" cy="511731"/>
           </a:xfrm>
           <a:prstGeom prst="rect">
             <a:avLst/>
           </a:prstGeom>
         </p:spPr>
         <p:txBody>
-          <a:bodyPr vert="horz" lIns="91440" tIns="45720" rIns="91440" bIns="45720" rtlCol="0"/>
+          <a:bodyPr vert="horz" lIns="95655" tIns="47828" rIns="95655" bIns="47828" rtlCol="0"/>
           <a:lstStyle>
             <a:lvl1pPr algn="r">
-              <a:defRPr sz="1200"/>
+              <a:defRPr sz="1300"/>
             </a:lvl1pPr>
           </a:lstStyle>
           <a:p>
@@ -240,8 +240,8 @@
         </p:nvSpPr>
         <p:spPr>
           <a:xfrm>
-            <a:off x="1143000" y="685800"/>
-            <a:ext cx="4572000" cy="3429000"/>
+            <a:off x="990600" y="768350"/>
+            <a:ext cx="5118100" cy="3838575"/>
           </a:xfrm>
           <a:prstGeom prst="rect">
             <a:avLst/>
@@ -254,7 +254,7 @@
           </a:ln>
         </p:spPr>
         <p:txBody>
-          <a:bodyPr vert="horz" lIns="91440" tIns="45720" rIns="91440" bIns="45720" rtlCol="0" anchor="ctr"/>
+          <a:bodyPr vert="horz" lIns="95655" tIns="47828" rIns="95655" bIns="47828" rtlCol="0" anchor="ctr"/>
           <a:lstStyle/>
           <a:p>
             <a:endParaRPr lang="pt-BR" dirty="0"/>
@@ -273,15 +273,15 @@
         </p:nvSpPr>
         <p:spPr>
           <a:xfrm>
-            <a:off x="685800" y="4343400"/>
-            <a:ext cx="5486400" cy="4114800"/>
+            <a:off x="709930" y="4861442"/>
+            <a:ext cx="5679440" cy="4605576"/>
           </a:xfrm>
           <a:prstGeom prst="rect">
             <a:avLst/>
           </a:prstGeom>
         </p:spPr>
         <p:txBody>
-          <a:bodyPr vert="horz" lIns="91440" tIns="45720" rIns="91440" bIns="45720" rtlCol="0">
+          <a:bodyPr vert="horz" lIns="95655" tIns="47828" rIns="95655" bIns="47828" rtlCol="0">
             <a:normAutofit/>
           </a:bodyPr>
           <a:lstStyle/>
@@ -335,18 +335,18 @@
         </p:nvSpPr>
         <p:spPr>
           <a:xfrm>
-            <a:off x="0" y="8685213"/>
-            <a:ext cx="2971800" cy="457200"/>
+            <a:off x="0" y="9721107"/>
+            <a:ext cx="3076363" cy="511731"/>
           </a:xfrm>
           <a:prstGeom prst="rect">
             <a:avLst/>
           </a:prstGeom>
         </p:spPr>
         <p:txBody>
-          <a:bodyPr vert="horz" lIns="91440" tIns="45720" rIns="91440" bIns="45720" rtlCol="0" anchor="b"/>
+          <a:bodyPr vert="horz" lIns="95655" tIns="47828" rIns="95655" bIns="47828" rtlCol="0" anchor="b"/>
           <a:lstStyle>
             <a:lvl1pPr algn="l">
-              <a:defRPr sz="1200"/>
+              <a:defRPr sz="1300"/>
             </a:lvl1pPr>
           </a:lstStyle>
           <a:p>
@@ -366,18 +366,18 @@
         </p:nvSpPr>
         <p:spPr>
           <a:xfrm>
-            <a:off x="3884613" y="8685213"/>
-            <a:ext cx="2971800" cy="457200"/>
+            <a:off x="4021294" y="9721107"/>
+            <a:ext cx="3076363" cy="511731"/>
           </a:xfrm>
           <a:prstGeom prst="rect">
             <a:avLst/>
           </a:prstGeom>
         </p:spPr>
         <p:txBody>
-          <a:bodyPr vert="horz" lIns="91440" tIns="45720" rIns="91440" bIns="45720" rtlCol="0" anchor="b"/>
+          <a:bodyPr vert="horz" lIns="95655" tIns="47828" rIns="95655" bIns="47828" rtlCol="0" anchor="b"/>
           <a:lstStyle>
             <a:lvl1pPr algn="r">
-              <a:defRPr sz="1200"/>
+              <a:defRPr sz="1300"/>
             </a:lvl1pPr>
           </a:lstStyle>
           <a:p>
@@ -762,7 +762,7 @@
           <a:bodyPr/>
           <a:lstStyle/>
           <a:p>
-            <a:fld id="{0C547B42-3BAD-40D2-B1A4-2CF2C08A24B8}" type="datetimeFigureOut">
+            <a:fld id="{C6DC923F-9947-46B4-8911-558DD9BD0524}" type="datetime1">
               <a:rPr lang="pt-BR" smtClean="0"/>
               <a:pPr/>
               <a:t>10/12/2012</a:t>
@@ -1117,7 +1117,7 @@
           <a:bodyPr/>
           <a:lstStyle/>
           <a:p>
-            <a:fld id="{0C547B42-3BAD-40D2-B1A4-2CF2C08A24B8}" type="datetimeFigureOut">
+            <a:fld id="{767552CE-0A92-4A17-87BC-5A02527F1658}" type="datetime1">
               <a:rPr lang="pt-BR" smtClean="0"/>
               <a:pPr/>
               <a:t>10/12/2012</a:t>
@@ -1294,7 +1294,7 @@
           <a:bodyPr/>
           <a:lstStyle/>
           <a:p>
-            <a:fld id="{0C547B42-3BAD-40D2-B1A4-2CF2C08A24B8}" type="datetimeFigureOut">
+            <a:fld id="{174BC4EE-3CA2-4191-A45D-9EBF101B91C2}" type="datetime1">
               <a:rPr lang="pt-BR" smtClean="0"/>
               <a:pPr/>
               <a:t>10/12/2012</a:t>
@@ -1409,7 +1409,7 @@
           <a:bodyPr/>
           <a:lstStyle/>
           <a:p>
-            <a:fld id="{0C547B42-3BAD-40D2-B1A4-2CF2C08A24B8}" type="datetimeFigureOut">
+            <a:fld id="{74B43FFE-65FF-40C9-B638-C0AC41C6682C}" type="datetime1">
               <a:rPr lang="pt-BR" smtClean="0"/>
               <a:pPr/>
               <a:t>10/12/2012</a:t>
@@ -1769,7 +1769,7 @@
           <a:bodyPr/>
           <a:lstStyle/>
           <a:p>
-            <a:fld id="{0C547B42-3BAD-40D2-B1A4-2CF2C08A24B8}" type="datetimeFigureOut">
+            <a:fld id="{0ED2D484-594A-4C5F-AE2B-3F68F3776DD6}" type="datetime1">
               <a:rPr lang="pt-BR" smtClean="0"/>
               <a:pPr/>
               <a:t>10/12/2012</a:t>
@@ -2036,7 +2036,7 @@
           <a:bodyPr/>
           <a:lstStyle/>
           <a:p>
-            <a:fld id="{0C547B42-3BAD-40D2-B1A4-2CF2C08A24B8}" type="datetimeFigureOut">
+            <a:fld id="{CE4265DB-B127-45B2-8CB9-C2676921A7E6}" type="datetime1">
               <a:rPr lang="pt-BR" smtClean="0"/>
               <a:pPr/>
               <a:t>10/12/2012</a:t>
@@ -2400,7 +2400,7 @@
           <a:bodyPr/>
           <a:lstStyle/>
           <a:p>
-            <a:fld id="{0C547B42-3BAD-40D2-B1A4-2CF2C08A24B8}" type="datetimeFigureOut">
+            <a:fld id="{960CEA3F-85F6-4F44-B174-FD6C7D24457A}" type="datetime1">
               <a:rPr lang="pt-BR" smtClean="0"/>
               <a:pPr/>
               <a:t>10/12/2012</a:t>
@@ -2629,7 +2629,7 @@
           <a:bodyPr/>
           <a:lstStyle/>
           <a:p>
-            <a:fld id="{0C547B42-3BAD-40D2-B1A4-2CF2C08A24B8}" type="datetimeFigureOut">
+            <a:fld id="{65E11EFA-5B34-4B4F-8080-6094911D89DF}" type="datetime1">
               <a:rPr lang="pt-BR" smtClean="0"/>
               <a:pPr/>
               <a:t>10/12/2012</a:t>
@@ -2721,7 +2721,7 @@
           <a:bodyPr/>
           <a:lstStyle/>
           <a:p>
-            <a:fld id="{0C547B42-3BAD-40D2-B1A4-2CF2C08A24B8}" type="datetimeFigureOut">
+            <a:fld id="{7822C431-C6CA-456C-9F75-21E6F4D7204D}" type="datetime1">
               <a:rPr lang="pt-BR" smtClean="0"/>
               <a:pPr/>
               <a:t>10/12/2012</a:t>
@@ -2990,7 +2990,7 @@
           <a:bodyPr/>
           <a:lstStyle/>
           <a:p>
-            <a:fld id="{0C547B42-3BAD-40D2-B1A4-2CF2C08A24B8}" type="datetimeFigureOut">
+            <a:fld id="{0F8B18DC-7CB9-4F3B-B09B-53E7B3DF4ED4}" type="datetime1">
               <a:rPr lang="pt-BR" smtClean="0"/>
               <a:pPr/>
               <a:t>10/12/2012</a:t>
@@ -3220,7 +3220,7 @@
           <a:bodyPr/>
           <a:lstStyle/>
           <a:p>
-            <a:fld id="{0C547B42-3BAD-40D2-B1A4-2CF2C08A24B8}" type="datetimeFigureOut">
+            <a:fld id="{5CCC920D-AF62-479C-919B-8E1CE4B2CEA2}" type="datetime1">
               <a:rPr lang="pt-BR" smtClean="0"/>
               <a:pPr/>
               <a:t>10/12/2012</a:t>
@@ -3721,7 +3721,7 @@
             </a:lvl1pPr>
           </a:lstStyle>
           <a:p>
-            <a:fld id="{0C547B42-3BAD-40D2-B1A4-2CF2C08A24B8}" type="datetimeFigureOut">
+            <a:fld id="{B961578D-46C7-4307-A9A7-08E89E461020}" type="datetime1">
               <a:rPr lang="pt-BR" smtClean="0"/>
               <a:pPr/>
               <a:t>10/12/2012</a:t>
@@ -3829,6 +3829,7 @@
     <p:sldLayoutId id="2147483730" r:id="rId10"/>
     <p:sldLayoutId id="2147483731" r:id="rId11"/>
   </p:sldLayoutIdLst>
+  <p:hf hdr="0" ftr="0" dt="0"/>
   <p:txStyles>
     <p:titleStyle>
       <a:lvl1pPr algn="l" rtl="0" eaLnBrk="1" latinLnBrk="0" hangingPunct="1">
@@ -4220,6 +4221,30 @@
           </a:p>
         </p:txBody>
       </p:sp>
+      <p:sp>
+        <p:nvSpPr>
+          <p:cNvPr id="5" name="Espaço Reservado para Número de Slide 4"/>
+          <p:cNvSpPr>
+            <a:spLocks noGrp="1"/>
+          </p:cNvSpPr>
+          <p:nvPr>
+            <p:ph type="sldNum" sz="quarter" idx="12"/>
+          </p:nvPr>
+        </p:nvSpPr>
+        <p:spPr/>
+        <p:txBody>
+          <a:bodyPr/>
+          <a:lstStyle/>
+          <a:p>
+            <a:fld id="{22DC83F2-CEF4-4466-B126-AAE1AA14D9D1}" type="slidenum">
+              <a:rPr lang="pt-BR" smtClean="0"/>
+              <a:pPr/>
+              <a:t>1</a:t>
+            </a:fld>
+            <a:endParaRPr lang="pt-BR" dirty="0"/>
+          </a:p>
+        </p:txBody>
+      </p:sp>
     </p:spTree>
   </p:cSld>
   <p:clrMapOvr>
@@ -4346,11 +4371,7 @@
             </a:r>
             <a:r>
               <a:rPr lang="pt-BR" sz="2800" b="1" dirty="0" smtClean="0"/>
-              <a:t>𝛤</a:t>
-            </a:r>
-            <a:r>
-              <a:rPr lang="pt-BR" sz="2800" b="1" dirty="0" smtClean="0"/>
-              <a:t> ⊢ ⏊</a:t>
+              <a:t>𝛤 ⊢ ⏊</a:t>
             </a:r>
           </a:p>
           <a:p>
@@ -4358,6 +4379,30 @@
           </a:p>
           <a:p>
             <a:endParaRPr lang="pt-BR" sz="2800" dirty="0" smtClean="0"/>
+          </a:p>
+        </p:txBody>
+      </p:sp>
+      <p:sp>
+        <p:nvSpPr>
+          <p:cNvPr id="5" name="Espaço Reservado para Número de Slide 4"/>
+          <p:cNvSpPr>
+            <a:spLocks noGrp="1"/>
+          </p:cNvSpPr>
+          <p:nvPr>
+            <p:ph type="sldNum" sz="quarter" idx="12"/>
+          </p:nvPr>
+        </p:nvSpPr>
+        <p:spPr/>
+        <p:txBody>
+          <a:bodyPr/>
+          <a:lstStyle/>
+          <a:p>
+            <a:fld id="{22DC83F2-CEF4-4466-B126-AAE1AA14D9D1}" type="slidenum">
+              <a:rPr lang="pt-BR" smtClean="0"/>
+              <a:pPr/>
+              <a:t>10</a:t>
+            </a:fld>
+            <a:endParaRPr lang="pt-BR" dirty="0"/>
           </a:p>
         </p:txBody>
       </p:sp>
@@ -4405,11 +4450,7 @@
           <a:p>
             <a:r>
               <a:rPr lang="pt-BR" dirty="0" smtClean="0"/>
-              <a:t>Tableau de </a:t>
-            </a:r>
-            <a:r>
-              <a:rPr lang="pt-BR" dirty="0" smtClean="0"/>
-              <a:t>Smullyan</a:t>
+              <a:t>Tableau de Smullyan</a:t>
             </a:r>
             <a:endParaRPr lang="pt-BR" dirty="0"/>
           </a:p>
@@ -4488,6 +4529,30 @@
           </a:ln>
         </p:spPr>
       </p:pic>
+      <p:sp>
+        <p:nvSpPr>
+          <p:cNvPr id="6" name="Espaço Reservado para Número de Slide 5"/>
+          <p:cNvSpPr>
+            <a:spLocks noGrp="1"/>
+          </p:cNvSpPr>
+          <p:nvPr>
+            <p:ph type="sldNum" sz="quarter" idx="12"/>
+          </p:nvPr>
+        </p:nvSpPr>
+        <p:spPr/>
+        <p:txBody>
+          <a:bodyPr/>
+          <a:lstStyle/>
+          <a:p>
+            <a:fld id="{22DC83F2-CEF4-4466-B126-AAE1AA14D9D1}" type="slidenum">
+              <a:rPr lang="pt-BR" smtClean="0"/>
+              <a:pPr/>
+              <a:t>11</a:t>
+            </a:fld>
+            <a:endParaRPr lang="pt-BR" dirty="0"/>
+          </a:p>
+        </p:txBody>
+      </p:sp>
     </p:spTree>
   </p:cSld>
   <p:clrMapOvr>
@@ -4530,11 +4595,7 @@
           <a:p>
             <a:r>
               <a:rPr lang="pt-BR" dirty="0" smtClean="0"/>
-              <a:t>Tableau de </a:t>
-            </a:r>
-            <a:r>
-              <a:rPr lang="pt-BR" dirty="0" smtClean="0"/>
-              <a:t>Smullyan</a:t>
+              <a:t>Tableau de Smullyan</a:t>
             </a:r>
             <a:endParaRPr lang="pt-BR" dirty="0"/>
           </a:p>
@@ -4616,6 +4677,30 @@
           </a:prstGeom>
         </p:spPr>
       </p:pic>
+      <p:sp>
+        <p:nvSpPr>
+          <p:cNvPr id="6" name="Espaço Reservado para Número de Slide 5"/>
+          <p:cNvSpPr>
+            <a:spLocks noGrp="1"/>
+          </p:cNvSpPr>
+          <p:nvPr>
+            <p:ph type="sldNum" sz="quarter" idx="12"/>
+          </p:nvPr>
+        </p:nvSpPr>
+        <p:spPr/>
+        <p:txBody>
+          <a:bodyPr/>
+          <a:lstStyle/>
+          <a:p>
+            <a:fld id="{22DC83F2-CEF4-4466-B126-AAE1AA14D9D1}" type="slidenum">
+              <a:rPr lang="pt-BR" smtClean="0"/>
+              <a:pPr/>
+              <a:t>12</a:t>
+            </a:fld>
+            <a:endParaRPr lang="pt-BR" dirty="0"/>
+          </a:p>
+        </p:txBody>
+      </p:sp>
     </p:spTree>
   </p:cSld>
   <p:clrMapOvr>
@@ -4658,7 +4743,7 @@
           <a:p>
             <a:r>
               <a:rPr lang="pt-BR" dirty="0" smtClean="0"/>
-              <a:t>Seleção do nó para inferência</a:t>
+              <a:t>Classificação das fórmulas</a:t>
             </a:r>
             <a:endParaRPr lang="pt-BR" dirty="0"/>
           </a:p>
@@ -4676,54 +4761,106 @@
         </p:nvSpPr>
         <p:spPr>
           <a:xfrm>
-            <a:off x="914400" y="5949280"/>
-            <a:ext cx="7772400" cy="648072"/>
-          </a:xfrm>
-        </p:spPr>
-        <p:txBody>
-          <a:bodyPr/>
-          <a:lstStyle/>
-          <a:p>
-            <a:r>
-              <a:rPr lang="pt-BR" dirty="0" smtClean="0"/>
-              <a:t>Prova com 29 nós (incluindo os fechamentos)</a:t>
-            </a:r>
-            <a:endParaRPr lang="pt-BR" dirty="0"/>
-          </a:p>
-        </p:txBody>
-      </p:sp>
-      <p:pic>
-        <p:nvPicPr>
-          <p:cNvPr id="1026" name="Picture 2"/>
-          <p:cNvPicPr>
-            <a:picLocks noChangeAspect="1" noChangeArrowheads="1"/>
-          </p:cNvPicPr>
-          <p:nvPr/>
-        </p:nvPicPr>
-        <p:blipFill>
-          <a:blip r:embed="rId2" cstate="print"/>
-          <a:srcRect/>
-          <a:stretch>
-            <a:fillRect/>
-          </a:stretch>
-        </p:blipFill>
-        <p:spPr bwMode="auto">
-          <a:xfrm>
-            <a:off x="2915816" y="1556792"/>
-            <a:ext cx="3168352" cy="4246940"/>
-          </a:xfrm>
-          <a:prstGeom prst="rect">
-            <a:avLst/>
-          </a:prstGeom>
-          <a:noFill/>
-          <a:ln w="9525">
-            <a:noFill/>
-            <a:miter lim="800000"/>
-            <a:headEnd/>
-            <a:tailEnd/>
-          </a:ln>
-        </p:spPr>
-      </p:pic>
+            <a:off x="539552" y="1484784"/>
+            <a:ext cx="8280920" cy="5184576"/>
+          </a:xfrm>
+        </p:spPr>
+        <p:txBody>
+          <a:bodyPr>
+            <a:normAutofit/>
+          </a:bodyPr>
+          <a:lstStyle/>
+          <a:p>
+            <a:r>
+              <a:rPr lang="pt-BR" sz="2800" b="1" dirty="0" smtClean="0"/>
+              <a:t>α</a:t>
+            </a:r>
+            <a:r>
+              <a:rPr lang="pt-BR" sz="2800" dirty="0" smtClean="0"/>
+              <a:t> (alfa): fórmulas cuja inferência expande linearmente um ramo, por exemplo, as fórmulas com negação (</a:t>
+            </a:r>
+            <a:r>
+              <a:rPr lang="pt-BR" sz="2800" i="1" dirty="0" smtClean="0"/>
+              <a:t>not</a:t>
+            </a:r>
+            <a:r>
+              <a:rPr lang="pt-BR" sz="2800" dirty="0" smtClean="0"/>
+              <a:t>) ou conjunção (</a:t>
+            </a:r>
+            <a:r>
+              <a:rPr lang="pt-BR" sz="2800" i="1" dirty="0" smtClean="0"/>
+              <a:t>and</a:t>
+            </a:r>
+            <a:r>
+              <a:rPr lang="pt-BR" sz="2800" dirty="0" smtClean="0"/>
+              <a:t>). </a:t>
+            </a:r>
+          </a:p>
+          <a:p>
+            <a:r>
+              <a:rPr lang="pt-BR" sz="2800" b="1" dirty="0" smtClean="0"/>
+              <a:t>β</a:t>
+            </a:r>
+            <a:r>
+              <a:rPr lang="pt-BR" sz="2800" dirty="0" smtClean="0"/>
+              <a:t> (beta): fórmulas cuja inferência expande a árvore por meio de uma nova ramificação como, por exemplo,as disjunções.</a:t>
+            </a:r>
+          </a:p>
+          <a:p>
+            <a:r>
+              <a:rPr lang="pt-BR" sz="2800" b="1" dirty="0" smtClean="0"/>
+              <a:t>γ</a:t>
+            </a:r>
+            <a:r>
+              <a:rPr lang="pt-BR" sz="2800" dirty="0" smtClean="0"/>
+              <a:t> (gama): fórmulas quantificadas universalmente.</a:t>
+            </a:r>
+          </a:p>
+          <a:p>
+            <a:r>
+              <a:rPr lang="pt-BR" sz="2800" b="1" dirty="0" smtClean="0"/>
+              <a:t>δ</a:t>
+            </a:r>
+            <a:r>
+              <a:rPr lang="pt-BR" sz="2800" dirty="0" smtClean="0"/>
+              <a:t> (delta): fórmulas quantificadas existencialmente.</a:t>
+            </a:r>
+          </a:p>
+          <a:p>
+            <a:r>
+              <a:rPr lang="pt-BR" sz="2800" dirty="0" smtClean="0"/>
+              <a:t>Literais ou atômicos são fórmulas que não podem derivar outras fórmulas por nenhuma regra de inferência, por serem indivisíveis.</a:t>
+            </a:r>
+          </a:p>
+          <a:p>
+            <a:endParaRPr lang="pt-BR" sz="2800" dirty="0"/>
+          </a:p>
+        </p:txBody>
+      </p:sp>
+      <p:sp>
+        <p:nvSpPr>
+          <p:cNvPr id="5" name="Espaço Reservado para Número de Slide 4"/>
+          <p:cNvSpPr>
+            <a:spLocks noGrp="1"/>
+          </p:cNvSpPr>
+          <p:nvPr>
+            <p:ph type="sldNum" sz="quarter" idx="12"/>
+          </p:nvPr>
+        </p:nvSpPr>
+        <p:spPr/>
+        <p:txBody>
+          <a:bodyPr/>
+          <a:lstStyle/>
+          <a:p>
+            <a:fld id="{22DC83F2-CEF4-4466-B126-AAE1AA14D9D1}" type="slidenum">
+              <a:rPr lang="pt-BR" smtClean="0"/>
+              <a:pPr/>
+              <a:t>13</a:t>
+            </a:fld>
+            <a:endParaRPr lang="pt-BR" dirty="0"/>
+          </a:p>
+        </p:txBody>
+      </p:sp>
     </p:spTree>
   </p:cSld>
   <p:clrMapOvr>
@@ -4766,7 +4903,7 @@
           <a:p>
             <a:r>
               <a:rPr lang="pt-BR" dirty="0" smtClean="0"/>
-              <a:t>Classificação das fórmulas</a:t>
+              <a:t>Seleção do nó para inferência</a:t>
             </a:r>
             <a:endParaRPr lang="pt-BR" dirty="0"/>
           </a:p>
@@ -4784,117 +4921,75 @@
         </p:nvSpPr>
         <p:spPr>
           <a:xfrm>
-            <a:off x="539552" y="1484784"/>
-            <a:ext cx="8280920" cy="5184576"/>
-          </a:xfrm>
-        </p:spPr>
-        <p:txBody>
-          <a:bodyPr>
-            <a:normAutofit/>
-          </a:bodyPr>
-          <a:lstStyle/>
-          <a:p>
-            <a:r>
-              <a:rPr lang="pt-BR" sz="2800" b="1" dirty="0" smtClean="0"/>
-              <a:t>α</a:t>
-            </a:r>
-            <a:r>
-              <a:rPr lang="pt-BR" sz="2800" dirty="0" smtClean="0"/>
-              <a:t> (alfa): fórmulas </a:t>
-            </a:r>
-            <a:r>
-              <a:rPr lang="pt-BR" sz="2800" dirty="0" smtClean="0"/>
-              <a:t>cuja inferência expande linearmente um ramo, por exemplo, as fórmulas com negação (</a:t>
-            </a:r>
-            <a:r>
-              <a:rPr lang="pt-BR" sz="2800" i="1" dirty="0" smtClean="0"/>
-              <a:t>not</a:t>
-            </a:r>
-            <a:r>
-              <a:rPr lang="pt-BR" sz="2800" dirty="0" smtClean="0"/>
-              <a:t>) ou conjunção (</a:t>
-            </a:r>
-            <a:r>
-              <a:rPr lang="pt-BR" sz="2800" i="1" dirty="0" smtClean="0"/>
-              <a:t>and</a:t>
-            </a:r>
-            <a:r>
-              <a:rPr lang="pt-BR" sz="2800" dirty="0" smtClean="0"/>
-              <a:t>). </a:t>
-            </a:r>
-            <a:endParaRPr lang="pt-BR" sz="2800" dirty="0" smtClean="0"/>
-          </a:p>
-          <a:p>
-            <a:r>
-              <a:rPr lang="pt-BR" sz="2800" b="1" dirty="0" smtClean="0"/>
-              <a:t>β</a:t>
-            </a:r>
-            <a:r>
-              <a:rPr lang="pt-BR" sz="2800" dirty="0" smtClean="0"/>
-              <a:t> (beta): fórmulas </a:t>
-            </a:r>
-            <a:r>
-              <a:rPr lang="pt-BR" sz="2800" dirty="0" smtClean="0"/>
-              <a:t>cuja inferência expande a árvore por meio de uma nova </a:t>
-            </a:r>
-            <a:r>
-              <a:rPr lang="pt-BR" sz="2800" dirty="0" smtClean="0"/>
-              <a:t>ramificação como, por exemplo,as disjunções.</a:t>
-            </a:r>
-            <a:endParaRPr lang="pt-BR" sz="2800" dirty="0" smtClean="0"/>
-          </a:p>
-          <a:p>
-            <a:r>
-              <a:rPr lang="pt-BR" sz="2800" b="1" dirty="0" smtClean="0"/>
-              <a:t>γ</a:t>
-            </a:r>
-            <a:r>
-              <a:rPr lang="pt-BR" sz="2800" dirty="0" smtClean="0"/>
-              <a:t> (gama): fórmulas quantificadas </a:t>
-            </a:r>
-            <a:r>
-              <a:rPr lang="pt-BR" sz="2800" dirty="0" smtClean="0"/>
-              <a:t>universalmente.</a:t>
-            </a:r>
-          </a:p>
-          <a:p>
-            <a:r>
-              <a:rPr lang="pt-BR" sz="2800" b="1" dirty="0" smtClean="0"/>
-              <a:t>δ</a:t>
-            </a:r>
-            <a:r>
-              <a:rPr lang="pt-BR" sz="2800" dirty="0" smtClean="0"/>
-              <a:t> (delta): fórmulas quantificadas </a:t>
-            </a:r>
-            <a:r>
-              <a:rPr lang="pt-BR" sz="2800" dirty="0" smtClean="0"/>
-              <a:t>existencialmente.</a:t>
-            </a:r>
-          </a:p>
-          <a:p>
-            <a:r>
-              <a:rPr lang="pt-BR" sz="2800" dirty="0" smtClean="0"/>
-              <a:t>Literais ou </a:t>
-            </a:r>
-            <a:r>
-              <a:rPr lang="pt-BR" sz="2800" dirty="0" smtClean="0"/>
-              <a:t>atômicos </a:t>
-            </a:r>
-            <a:r>
-              <a:rPr lang="pt-BR" sz="2800" dirty="0" smtClean="0"/>
-              <a:t>são </a:t>
-            </a:r>
-            <a:r>
-              <a:rPr lang="pt-BR" sz="2800" dirty="0" smtClean="0"/>
-              <a:t>fórmulas </a:t>
-            </a:r>
-            <a:r>
-              <a:rPr lang="pt-BR" sz="2800" dirty="0" smtClean="0"/>
-              <a:t>que não podem derivar outras fórmulas por nenhuma regra de inferência, por serem indivisíveis.</a:t>
-            </a:r>
-          </a:p>
-          <a:p>
-            <a:endParaRPr lang="pt-BR" sz="2800" dirty="0"/>
+            <a:off x="914400" y="5949280"/>
+            <a:ext cx="7772400" cy="648072"/>
+          </a:xfrm>
+        </p:spPr>
+        <p:txBody>
+          <a:bodyPr/>
+          <a:lstStyle/>
+          <a:p>
+            <a:r>
+              <a:rPr lang="pt-BR" dirty="0" smtClean="0"/>
+              <a:t>Prova com 29 nós (incluindo os fechamentos)</a:t>
+            </a:r>
+            <a:endParaRPr lang="pt-BR" dirty="0"/>
+          </a:p>
+        </p:txBody>
+      </p:sp>
+      <p:pic>
+        <p:nvPicPr>
+          <p:cNvPr id="1026" name="Picture 2"/>
+          <p:cNvPicPr>
+            <a:picLocks noChangeAspect="1" noChangeArrowheads="1"/>
+          </p:cNvPicPr>
+          <p:nvPr/>
+        </p:nvPicPr>
+        <p:blipFill>
+          <a:blip r:embed="rId2" cstate="print"/>
+          <a:srcRect/>
+          <a:stretch>
+            <a:fillRect/>
+          </a:stretch>
+        </p:blipFill>
+        <p:spPr bwMode="auto">
+          <a:xfrm>
+            <a:off x="2915816" y="1556792"/>
+            <a:ext cx="3168352" cy="4246940"/>
+          </a:xfrm>
+          <a:prstGeom prst="rect">
+            <a:avLst/>
+          </a:prstGeom>
+          <a:noFill/>
+          <a:ln w="9525">
+            <a:noFill/>
+            <a:miter lim="800000"/>
+            <a:headEnd/>
+            <a:tailEnd/>
+          </a:ln>
+        </p:spPr>
+      </p:pic>
+      <p:sp>
+        <p:nvSpPr>
+          <p:cNvPr id="6" name="Espaço Reservado para Número de Slide 5"/>
+          <p:cNvSpPr>
+            <a:spLocks noGrp="1"/>
+          </p:cNvSpPr>
+          <p:nvPr>
+            <p:ph type="sldNum" sz="quarter" idx="12"/>
+          </p:nvPr>
+        </p:nvSpPr>
+        <p:spPr/>
+        <p:txBody>
+          <a:bodyPr/>
+          <a:lstStyle/>
+          <a:p>
+            <a:fld id="{22DC83F2-CEF4-4466-B126-AAE1AA14D9D1}" type="slidenum">
+              <a:rPr lang="pt-BR" smtClean="0"/>
+              <a:pPr/>
+              <a:t>14</a:t>
+            </a:fld>
+            <a:endParaRPr lang="pt-BR" dirty="0"/>
           </a:p>
         </p:txBody>
       </p:sp>
@@ -5045,6 +5140,30 @@
           </a:p>
         </p:txBody>
       </p:sp>
+      <p:sp>
+        <p:nvSpPr>
+          <p:cNvPr id="7" name="Espaço Reservado para Número de Slide 6"/>
+          <p:cNvSpPr>
+            <a:spLocks noGrp="1"/>
+          </p:cNvSpPr>
+          <p:nvPr>
+            <p:ph type="sldNum" sz="quarter" idx="12"/>
+          </p:nvPr>
+        </p:nvSpPr>
+        <p:spPr/>
+        <p:txBody>
+          <a:bodyPr/>
+          <a:lstStyle/>
+          <a:p>
+            <a:fld id="{22DC83F2-CEF4-4466-B126-AAE1AA14D9D1}" type="slidenum">
+              <a:rPr lang="pt-BR" smtClean="0"/>
+              <a:pPr/>
+              <a:t>15</a:t>
+            </a:fld>
+            <a:endParaRPr lang="pt-BR" dirty="0"/>
+          </a:p>
+        </p:txBody>
+      </p:sp>
     </p:spTree>
   </p:cSld>
   <p:clrMapOvr>
@@ -5169,6 +5288,30 @@
           </a:ln>
         </p:spPr>
       </p:pic>
+      <p:sp>
+        <p:nvSpPr>
+          <p:cNvPr id="6" name="Espaço Reservado para Número de Slide 5"/>
+          <p:cNvSpPr>
+            <a:spLocks noGrp="1"/>
+          </p:cNvSpPr>
+          <p:nvPr>
+            <p:ph type="sldNum" sz="quarter" idx="12"/>
+          </p:nvPr>
+        </p:nvSpPr>
+        <p:spPr/>
+        <p:txBody>
+          <a:bodyPr/>
+          <a:lstStyle/>
+          <a:p>
+            <a:fld id="{22DC83F2-CEF4-4466-B126-AAE1AA14D9D1}" type="slidenum">
+              <a:rPr lang="pt-BR" smtClean="0"/>
+              <a:pPr/>
+              <a:t>16</a:t>
+            </a:fld>
+            <a:endParaRPr lang="pt-BR" dirty="0"/>
+          </a:p>
+        </p:txBody>
+      </p:sp>
     </p:spTree>
   </p:cSld>
   <p:clrMapOvr>
@@ -5241,11 +5384,7 @@
           <a:p>
             <a:r>
               <a:rPr lang="pt-BR" sz="3600" dirty="0" smtClean="0"/>
-              <a:t>𝛤 </a:t>
-            </a:r>
-            <a:r>
-              <a:rPr lang="pt-BR" sz="3600" dirty="0" smtClean="0"/>
-              <a:t>⊦ </a:t>
+              <a:t>𝛤 ⊦ </a:t>
             </a:r>
             <a:r>
               <a:rPr lang="pt-BR" sz="4000" dirty="0" smtClean="0"/>
@@ -5253,54 +5392,14 @@
             </a:r>
             <a:r>
               <a:rPr lang="pt-BR" sz="3600" dirty="0" smtClean="0"/>
-              <a:t>, Δ → </a:t>
-            </a:r>
-            <a:r>
-              <a:rPr lang="pt-BR" sz="3600" dirty="0" smtClean="0"/>
-              <a:t>𝛤 ⋃ {¬𝜑} ⊢ </a:t>
-            </a:r>
-            <a:r>
-              <a:rPr lang="pt-BR" sz="3600" dirty="0" smtClean="0"/>
-              <a:t>Δ</a:t>
+              <a:t>, Δ → 𝛤 ⋃ {¬𝜑} ⊢ Δ</a:t>
             </a:r>
           </a:p>
           <a:p>
             <a:pPr lvl="1"/>
             <a:r>
               <a:rPr lang="pt-BR" sz="3200" dirty="0" smtClean="0"/>
-              <a:t>O lema </a:t>
-            </a:r>
-            <a:r>
-              <a:rPr lang="pt-BR" sz="3200" dirty="0" smtClean="0"/>
-              <a:t>{¬𝜑} </a:t>
-            </a:r>
-            <a:r>
-              <a:rPr lang="pt-BR" sz="3200" dirty="0" smtClean="0"/>
-              <a:t>só é </a:t>
-            </a:r>
-            <a:r>
-              <a:rPr lang="pt-BR" sz="3200" dirty="0" smtClean="0"/>
-              <a:t>válido se 𝜑 </a:t>
-            </a:r>
-            <a:r>
-              <a:rPr lang="pt-BR" sz="3200" dirty="0" smtClean="0"/>
-              <a:t>é verdadeiro, ou seja, se </a:t>
-            </a:r>
-            <a:r>
-              <a:rPr lang="pt-BR" sz="3200" dirty="0" smtClean="0"/>
-              <a:t>𝜑</a:t>
-            </a:r>
-            <a:r>
-              <a:rPr lang="pt-BR" sz="3200" dirty="0" smtClean="0"/>
-              <a:t> leva </a:t>
-            </a:r>
-            <a:r>
-              <a:rPr lang="pt-BR" sz="3200" dirty="0" smtClean="0"/>
-              <a:t>ao </a:t>
-            </a:r>
-            <a:r>
-              <a:rPr lang="pt-BR" sz="3200" dirty="0" smtClean="0"/>
-              <a:t>fechamento do seu ramo original.</a:t>
+              <a:t>O lema {¬𝜑} só é válido se 𝜑 é verdadeiro, ou seja, se 𝜑 leva ao fechamento do seu ramo original.</a:t>
             </a:r>
           </a:p>
           <a:p>
@@ -5338,6 +5437,30 @@
           </a:p>
           <a:p>
             <a:endParaRPr lang="pt-BR" sz="3600" dirty="0" smtClean="0"/>
+          </a:p>
+        </p:txBody>
+      </p:sp>
+      <p:sp>
+        <p:nvSpPr>
+          <p:cNvPr id="5" name="Espaço Reservado para Número de Slide 4"/>
+          <p:cNvSpPr>
+            <a:spLocks noGrp="1"/>
+          </p:cNvSpPr>
+          <p:nvPr>
+            <p:ph type="sldNum" sz="quarter" idx="12"/>
+          </p:nvPr>
+        </p:nvSpPr>
+        <p:spPr/>
+        <p:txBody>
+          <a:bodyPr/>
+          <a:lstStyle/>
+          <a:p>
+            <a:fld id="{22DC83F2-CEF4-4466-B126-AAE1AA14D9D1}" type="slidenum">
+              <a:rPr lang="pt-BR" smtClean="0"/>
+              <a:pPr/>
+              <a:t>17</a:t>
+            </a:fld>
+            <a:endParaRPr lang="pt-BR" dirty="0"/>
           </a:p>
         </p:txBody>
       </p:sp>
@@ -5413,41 +5536,20 @@
           <a:p>
             <a:r>
               <a:rPr lang="pt-BR" sz="3200" dirty="0" smtClean="0"/>
-              <a:t>Proposto originalmente Marcello </a:t>
-            </a:r>
+              <a:t>Proposto originalmente Marcello D’Agostino.</a:t>
+            </a:r>
+          </a:p>
+          <a:p>
             <a:r>
               <a:rPr lang="pt-BR" sz="3200" dirty="0" smtClean="0"/>
-              <a:t>D’Agostino.</a:t>
-            </a:r>
-            <a:endParaRPr lang="pt-BR" sz="3200" dirty="0" smtClean="0"/>
-          </a:p>
-          <a:p>
-            <a:r>
-              <a:rPr lang="pt-BR" sz="3200" dirty="0" smtClean="0"/>
-              <a:t>Inclui regras </a:t>
-            </a:r>
-            <a:r>
-              <a:rPr lang="pt-BR" sz="3200" dirty="0" smtClean="0"/>
-              <a:t>de inferência com </a:t>
-            </a:r>
-            <a:r>
-              <a:rPr lang="pt-BR" sz="3200" dirty="0" smtClean="0"/>
-              <a:t>cortes.</a:t>
+              <a:t>Inclui regras de inferência com cortes.</a:t>
             </a:r>
           </a:p>
           <a:p>
             <a:pPr lvl="1"/>
             <a:r>
               <a:rPr lang="pt-BR" sz="2800" b="1" i="1" dirty="0" smtClean="0"/>
-              <a:t>modus</a:t>
-            </a:r>
-            <a:r>
-              <a:rPr lang="pt-BR" sz="2800" b="1" i="1" dirty="0" smtClean="0"/>
-              <a:t> </a:t>
-            </a:r>
-            <a:r>
-              <a:rPr lang="pt-BR" sz="2800" b="1" i="1" dirty="0" smtClean="0"/>
-              <a:t>ponens</a:t>
+              <a:t>modus ponens</a:t>
             </a:r>
             <a:r>
               <a:rPr lang="pt-BR" sz="2800" b="1" dirty="0" smtClean="0"/>
@@ -5455,32 +5557,18 @@
             </a:r>
             <a:r>
               <a:rPr lang="pt-BR" sz="2800" b="1" i="1" dirty="0" smtClean="0"/>
-              <a:t>modus</a:t>
-            </a:r>
-            <a:r>
-              <a:rPr lang="pt-BR" sz="2800" b="1" i="1" dirty="0" smtClean="0"/>
-              <a:t> </a:t>
-            </a:r>
-            <a:r>
-              <a:rPr lang="pt-BR" sz="2800" b="1" i="1" dirty="0" smtClean="0"/>
-              <a:t>tollens</a:t>
+              <a:t>modus tollens</a:t>
             </a:r>
             <a:r>
               <a:rPr lang="pt-BR" sz="2800" b="1" dirty="0" smtClean="0"/>
-              <a:t> e silogismo </a:t>
-            </a:r>
-            <a:r>
-              <a:rPr lang="pt-BR" sz="2800" b="1" dirty="0" smtClean="0"/>
-              <a:t>disjuntivo.</a:t>
-            </a:r>
-            <a:endParaRPr lang="pt-BR" sz="2800" b="1" dirty="0" smtClean="0"/>
+              <a:t> e silogismo disjuntivo.</a:t>
+            </a:r>
           </a:p>
           <a:p>
             <a:r>
               <a:rPr lang="pt-BR" sz="3200" dirty="0" smtClean="0"/>
               <a:t>A única forma de ramificação é pelo princípio da bivalência, que é baseado no conceito de lema. </a:t>
             </a:r>
-            <a:endParaRPr lang="pt-BR" sz="3200" dirty="0" smtClean="0"/>
           </a:p>
           <a:p>
             <a:endParaRPr lang="pt-BR" sz="2800" dirty="0"/>
@@ -5504,8 +5592,8 @@
         </p:blipFill>
         <p:spPr bwMode="auto">
           <a:xfrm>
-            <a:off x="2915816" y="4653136"/>
-            <a:ext cx="3502004" cy="1080120"/>
+            <a:off x="2123728" y="4653136"/>
+            <a:ext cx="4902806" cy="1512168"/>
           </a:xfrm>
           <a:prstGeom prst="rect">
             <a:avLst/>
@@ -5519,6 +5607,30 @@
           </a:ln>
         </p:spPr>
       </p:pic>
+      <p:sp>
+        <p:nvSpPr>
+          <p:cNvPr id="6" name="Espaço Reservado para Número de Slide 5"/>
+          <p:cNvSpPr>
+            <a:spLocks noGrp="1"/>
+          </p:cNvSpPr>
+          <p:nvPr>
+            <p:ph type="sldNum" sz="quarter" idx="12"/>
+          </p:nvPr>
+        </p:nvSpPr>
+        <p:spPr/>
+        <p:txBody>
+          <a:bodyPr/>
+          <a:lstStyle/>
+          <a:p>
+            <a:fld id="{22DC83F2-CEF4-4466-B126-AAE1AA14D9D1}" type="slidenum">
+              <a:rPr lang="pt-BR" smtClean="0"/>
+              <a:pPr/>
+              <a:t>18</a:t>
+            </a:fld>
+            <a:endParaRPr lang="pt-BR" dirty="0"/>
+          </a:p>
+        </p:txBody>
+      </p:sp>
     </p:spTree>
   </p:cSld>
   <p:clrMapOvr>
@@ -5554,7 +5666,12 @@
             <p:ph type="title"/>
           </p:nvPr>
         </p:nvSpPr>
-        <p:spPr/>
+        <p:spPr>
+          <a:xfrm>
+            <a:off x="914400" y="274638"/>
+            <a:ext cx="7772400" cy="922114"/>
+          </a:xfrm>
+        </p:spPr>
         <p:txBody>
           <a:bodyPr/>
           <a:lstStyle/>
@@ -5584,8 +5701,8 @@
         </p:blipFill>
         <p:spPr bwMode="auto">
           <a:xfrm>
-            <a:off x="1907704" y="1340768"/>
-            <a:ext cx="5112568" cy="5385889"/>
+            <a:off x="1619672" y="1037338"/>
+            <a:ext cx="5400600" cy="5689319"/>
           </a:xfrm>
           <a:prstGeom prst="rect">
             <a:avLst/>
@@ -5599,6 +5716,30 @@
           </a:ln>
         </p:spPr>
       </p:pic>
+      <p:sp>
+        <p:nvSpPr>
+          <p:cNvPr id="5" name="Espaço Reservado para Número de Slide 4"/>
+          <p:cNvSpPr>
+            <a:spLocks noGrp="1"/>
+          </p:cNvSpPr>
+          <p:nvPr>
+            <p:ph type="sldNum" sz="quarter" idx="12"/>
+          </p:nvPr>
+        </p:nvSpPr>
+        <p:spPr/>
+        <p:txBody>
+          <a:bodyPr/>
+          <a:lstStyle/>
+          <a:p>
+            <a:fld id="{22DC83F2-CEF4-4466-B126-AAE1AA14D9D1}" type="slidenum">
+              <a:rPr lang="pt-BR" smtClean="0"/>
+              <a:pPr/>
+              <a:t>19</a:t>
+            </a:fld>
+            <a:endParaRPr lang="pt-BR" dirty="0"/>
+          </a:p>
+        </p:txBody>
+      </p:sp>
     </p:spTree>
   </p:cSld>
   <p:clrMapOvr>
@@ -5678,6 +5819,30 @@
           </a:p>
         </p:txBody>
       </p:sp>
+      <p:sp>
+        <p:nvSpPr>
+          <p:cNvPr id="5" name="Espaço Reservado para Número de Slide 4"/>
+          <p:cNvSpPr>
+            <a:spLocks noGrp="1"/>
+          </p:cNvSpPr>
+          <p:nvPr>
+            <p:ph type="sldNum" sz="quarter" idx="12"/>
+          </p:nvPr>
+        </p:nvSpPr>
+        <p:spPr/>
+        <p:txBody>
+          <a:bodyPr/>
+          <a:lstStyle/>
+          <a:p>
+            <a:fld id="{22DC83F2-CEF4-4466-B126-AAE1AA14D9D1}" type="slidenum">
+              <a:rPr lang="pt-BR" smtClean="0"/>
+              <a:pPr/>
+              <a:t>2</a:t>
+            </a:fld>
+            <a:endParaRPr lang="pt-BR" dirty="0"/>
+          </a:p>
+        </p:txBody>
+      </p:sp>
     </p:spTree>
   </p:cSld>
   <p:clrMapOvr>
@@ -5814,11 +5979,7 @@
           <a:p>
             <a:r>
               <a:rPr lang="pt-BR" sz="2400" dirty="0" smtClean="0"/>
-              <a:t>(A v B), (A v ¬B), (¬A v C), (¬A v ¬C) </a:t>
-            </a:r>
-            <a:r>
-              <a:rPr lang="pt-BR" sz="2400" dirty="0" smtClean="0"/>
-              <a:t>⊨⏊</a:t>
+              <a:t>(A v B), (A v ¬B), (¬A v C), (¬A v ¬C) ⊨⏊</a:t>
             </a:r>
             <a:endParaRPr lang="pt-BR" sz="2400" dirty="0"/>
           </a:p>
@@ -5880,6 +6041,30 @@
               <a:rPr lang="pt-BR" dirty="0" smtClean="0"/>
               <a:t>Tableau Clássico</a:t>
             </a:r>
+            <a:endParaRPr lang="pt-BR" dirty="0"/>
+          </a:p>
+        </p:txBody>
+      </p:sp>
+      <p:sp>
+        <p:nvSpPr>
+          <p:cNvPr id="10" name="Espaço Reservado para Número de Slide 9"/>
+          <p:cNvSpPr>
+            <a:spLocks noGrp="1"/>
+          </p:cNvSpPr>
+          <p:nvPr>
+            <p:ph type="sldNum" sz="quarter" idx="12"/>
+          </p:nvPr>
+        </p:nvSpPr>
+        <p:spPr/>
+        <p:txBody>
+          <a:bodyPr/>
+          <a:lstStyle/>
+          <a:p>
+            <a:fld id="{22DC83F2-CEF4-4466-B126-AAE1AA14D9D1}" type="slidenum">
+              <a:rPr lang="pt-BR" smtClean="0"/>
+              <a:pPr/>
+              <a:t>20</a:t>
+            </a:fld>
             <a:endParaRPr lang="pt-BR" dirty="0"/>
           </a:p>
         </p:txBody>
@@ -5966,11 +6151,7 @@
             </a:r>
             <a:r>
               <a:rPr lang="pt-BR" sz="2800" i="1" dirty="0" smtClean="0"/>
-              <a:t>E-analysed</a:t>
-            </a:r>
-            <a:r>
-              <a:rPr lang="pt-BR" sz="2800" i="1" dirty="0" smtClean="0"/>
-              <a:t> </a:t>
+              <a:t>E-analysed </a:t>
             </a:r>
             <a:r>
               <a:rPr lang="pt-BR" sz="2800" dirty="0" smtClean="0"/>
@@ -5985,15 +6166,7 @@
             </a:r>
             <a:r>
               <a:rPr lang="pt-BR" dirty="0" smtClean="0"/>
-              <a:t>α </a:t>
-            </a:r>
-            <a:r>
-              <a:rPr lang="pt-BR" dirty="0" smtClean="0"/>
-              <a:t> e as subfórmulas </a:t>
-            </a:r>
-            <a:r>
-              <a:rPr lang="pt-BR" dirty="0" smtClean="0"/>
-              <a:t>α </a:t>
+              <a:t>α  e as subfórmulas α </a:t>
             </a:r>
             <a:r>
               <a:rPr lang="pt-BR" sz="2800" baseline="-25000" dirty="0" smtClean="0"/>
@@ -6013,7 +6186,89 @@
             </a:r>
             <a:r>
               <a:rPr lang="pt-BR" sz="2800" dirty="0" smtClean="0"/>
-              <a:t>ϕ </a:t>
+              <a:t>ϕ .</a:t>
+            </a:r>
+          </a:p>
+          <a:p>
+            <a:pPr lvl="1"/>
+            <a:r>
+              <a:rPr lang="pt-BR" sz="2800" dirty="0" smtClean="0"/>
+              <a:t>Se a fórmula é do tipo β:</a:t>
+            </a:r>
+          </a:p>
+          <a:p>
+            <a:pPr lvl="2"/>
+            <a:r>
+              <a:rPr lang="pt-BR" sz="2400" dirty="0" smtClean="0"/>
+              <a:t>Se β</a:t>
+            </a:r>
+            <a:r>
+              <a:rPr lang="pt-BR" sz="2800" baseline="-25000" dirty="0" smtClean="0"/>
+              <a:t>1</a:t>
+            </a:r>
+            <a:r>
+              <a:rPr lang="pt-BR" sz="2400" dirty="0" smtClean="0"/>
+              <a:t> e ¬β</a:t>
+            </a:r>
+            <a:r>
+              <a:rPr lang="pt-BR" sz="2800" baseline="-25000" dirty="0" smtClean="0"/>
+              <a:t>2</a:t>
+            </a:r>
+            <a:r>
+              <a:rPr lang="pt-BR" sz="2400" dirty="0" smtClean="0"/>
+              <a:t> ocorre no ramo ϕ  ou</a:t>
+            </a:r>
+          </a:p>
+          <a:p>
+            <a:pPr lvl="2"/>
+            <a:r>
+              <a:rPr lang="pt-BR" sz="2400" dirty="0" smtClean="0"/>
+              <a:t>Se ¬ β</a:t>
+            </a:r>
+            <a:r>
+              <a:rPr lang="pt-BR" sz="2800" baseline="-25000" dirty="0" smtClean="0"/>
+              <a:t>1</a:t>
+            </a:r>
+            <a:r>
+              <a:rPr lang="pt-BR" sz="2400" dirty="0" smtClean="0"/>
+              <a:t> e β</a:t>
+            </a:r>
+            <a:r>
+              <a:rPr lang="pt-BR" sz="2800" baseline="-25000" dirty="0" smtClean="0"/>
+              <a:t>2</a:t>
+            </a:r>
+            <a:r>
+              <a:rPr lang="pt-BR" sz="2400" dirty="0" smtClean="0"/>
+              <a:t> ocorre no ramo ϕ.</a:t>
+            </a:r>
+          </a:p>
+          <a:p>
+            <a:r>
+              <a:rPr lang="pt-BR" sz="2800" dirty="0" smtClean="0"/>
+              <a:t>As fórmulas do PB são originadas de fórmulas β não </a:t>
+            </a:r>
+            <a:r>
+              <a:rPr lang="pt-BR" sz="2800" i="1" dirty="0" smtClean="0"/>
+              <a:t>E-analysed.</a:t>
+            </a:r>
+          </a:p>
+          <a:p>
+            <a:pPr lvl="1"/>
+            <a:r>
+              <a:rPr lang="pt-BR" sz="2800" dirty="0" smtClean="0"/>
+              <a:t>PB sempre será ou originado ou de β</a:t>
+            </a:r>
+            <a:r>
+              <a:rPr lang="pt-BR" sz="2800" baseline="-25000" dirty="0" smtClean="0"/>
+              <a:t>1</a:t>
+            </a:r>
+            <a:r>
+              <a:rPr lang="pt-BR" sz="2800" dirty="0" smtClean="0"/>
+              <a:t> ou β</a:t>
+            </a:r>
+            <a:r>
+              <a:rPr lang="pt-BR" sz="2800" baseline="-25000" dirty="0" smtClean="0"/>
+              <a:t>2</a:t>
             </a:r>
             <a:r>
               <a:rPr lang="pt-BR" sz="2800" dirty="0" smtClean="0"/>
@@ -6021,161 +6276,43 @@
             </a:r>
           </a:p>
           <a:p>
-            <a:pPr lvl="1"/>
             <a:r>
               <a:rPr lang="pt-BR" sz="2800" dirty="0" smtClean="0"/>
-              <a:t>Se a fórmula é do tipo β:</a:t>
-            </a:r>
-          </a:p>
-          <a:p>
-            <a:pPr lvl="2"/>
-            <a:r>
-              <a:rPr lang="pt-BR" sz="2400" dirty="0" smtClean="0"/>
-              <a:t>Se β</a:t>
-            </a:r>
-            <a:r>
-              <a:rPr lang="pt-BR" sz="2800" baseline="-25000" dirty="0" smtClean="0"/>
-              <a:t>1</a:t>
-            </a:r>
-            <a:r>
-              <a:rPr lang="pt-BR" sz="2400" dirty="0" smtClean="0"/>
-              <a:t> e ¬β</a:t>
-            </a:r>
-            <a:r>
-              <a:rPr lang="pt-BR" sz="2800" baseline="-25000" dirty="0" smtClean="0"/>
-              <a:t>2</a:t>
-            </a:r>
-            <a:r>
-              <a:rPr lang="pt-BR" sz="2400" dirty="0" smtClean="0"/>
-              <a:t> ocorre no ramo </a:t>
-            </a:r>
-            <a:r>
-              <a:rPr lang="pt-BR" sz="2400" dirty="0" smtClean="0"/>
-              <a:t>ϕ </a:t>
-            </a:r>
-            <a:r>
-              <a:rPr lang="pt-BR" sz="2400" dirty="0" smtClean="0"/>
-              <a:t> ou</a:t>
-            </a:r>
-          </a:p>
-          <a:p>
-            <a:pPr lvl="2"/>
-            <a:r>
-              <a:rPr lang="pt-BR" sz="2400" dirty="0" smtClean="0"/>
-              <a:t>Se </a:t>
-            </a:r>
-            <a:r>
-              <a:rPr lang="pt-BR" sz="2400" dirty="0" smtClean="0"/>
-              <a:t>¬ </a:t>
-            </a:r>
-            <a:r>
-              <a:rPr lang="pt-BR" sz="2400" dirty="0" smtClean="0"/>
-              <a:t>β</a:t>
-            </a:r>
-            <a:r>
-              <a:rPr lang="pt-BR" sz="2800" baseline="-25000" dirty="0" smtClean="0"/>
-              <a:t>1</a:t>
-            </a:r>
-            <a:r>
-              <a:rPr lang="pt-BR" sz="2400" dirty="0" smtClean="0"/>
-              <a:t> </a:t>
-            </a:r>
-            <a:r>
-              <a:rPr lang="pt-BR" sz="2400" dirty="0" smtClean="0"/>
-              <a:t>e </a:t>
-            </a:r>
-            <a:r>
-              <a:rPr lang="pt-BR" sz="2400" dirty="0" smtClean="0"/>
-              <a:t>β</a:t>
-            </a:r>
-            <a:r>
-              <a:rPr lang="pt-BR" sz="2800" baseline="-25000" dirty="0" smtClean="0"/>
-              <a:t>2</a:t>
-            </a:r>
-            <a:r>
-              <a:rPr lang="pt-BR" sz="2400" dirty="0" smtClean="0"/>
-              <a:t> </a:t>
-            </a:r>
-            <a:r>
-              <a:rPr lang="pt-BR" sz="2400" dirty="0" smtClean="0"/>
-              <a:t>ocorre </a:t>
-            </a:r>
-            <a:r>
-              <a:rPr lang="pt-BR" sz="2400" dirty="0" smtClean="0"/>
-              <a:t>no ramo </a:t>
-            </a:r>
-            <a:r>
-              <a:rPr lang="pt-BR" sz="2400" dirty="0" smtClean="0"/>
-              <a:t>ϕ</a:t>
-            </a:r>
-            <a:r>
-              <a:rPr lang="pt-BR" sz="2400" dirty="0" smtClean="0"/>
-              <a:t>.</a:t>
-            </a:r>
-          </a:p>
-          <a:p>
-            <a:r>
-              <a:rPr lang="pt-BR" sz="2800" dirty="0" smtClean="0"/>
-              <a:t>As fórmulas do PB são originadas de fórmulas </a:t>
-            </a:r>
-            <a:r>
-              <a:rPr lang="pt-BR" sz="2800" dirty="0" smtClean="0"/>
-              <a:t>β não </a:t>
+              <a:t>Exemplo de heurística: escolher a subfórmula que ocorre mais vezes nas fórmulas β não analisadas (não </a:t>
             </a:r>
             <a:r>
               <a:rPr lang="pt-BR" sz="2800" i="1" dirty="0" smtClean="0"/>
               <a:t>E-analysed</a:t>
             </a:r>
             <a:r>
-              <a:rPr lang="pt-BR" sz="2800" i="1" dirty="0" smtClean="0"/>
-              <a:t>.</a:t>
-            </a:r>
-          </a:p>
-          <a:p>
-            <a:pPr lvl="1"/>
-            <a:r>
-              <a:rPr lang="pt-BR" sz="2800" dirty="0" smtClean="0"/>
-              <a:t>PB sempre será ou originado ou de β</a:t>
-            </a:r>
-            <a:r>
-              <a:rPr lang="pt-BR" sz="2800" baseline="-25000" dirty="0" smtClean="0"/>
-              <a:t>1</a:t>
-            </a:r>
-            <a:r>
-              <a:rPr lang="pt-BR" sz="2800" dirty="0" smtClean="0"/>
-              <a:t> ou β</a:t>
-            </a:r>
-            <a:r>
-              <a:rPr lang="pt-BR" sz="2800" baseline="-25000" dirty="0" smtClean="0"/>
-              <a:t>2</a:t>
-            </a:r>
-            <a:r>
-              <a:rPr lang="pt-BR" sz="2800" dirty="0" smtClean="0"/>
-              <a:t>.</a:t>
-            </a:r>
-          </a:p>
-          <a:p>
-            <a:r>
-              <a:rPr lang="pt-BR" sz="2800" dirty="0" smtClean="0"/>
-              <a:t>Exemplo de heurística: escolher a subfórmula que ocorre mais vezes nas fórmulas β </a:t>
-            </a:r>
-            <a:r>
-              <a:rPr lang="pt-BR" sz="2800" dirty="0" smtClean="0"/>
-              <a:t>não analisadas </a:t>
-            </a:r>
-            <a:r>
-              <a:rPr lang="pt-BR" sz="2800" dirty="0" smtClean="0"/>
-              <a:t>(não </a:t>
-            </a:r>
-            <a:r>
-              <a:rPr lang="pt-BR" sz="2800" i="1" dirty="0" smtClean="0"/>
-              <a:t>E-analysed</a:t>
-            </a:r>
-            <a:r>
               <a:rPr lang="pt-BR" sz="2800" dirty="0" smtClean="0"/>
               <a:t>).</a:t>
             </a:r>
             <a:endParaRPr lang="pt-BR" sz="2800" dirty="0"/>
+          </a:p>
+        </p:txBody>
+      </p:sp>
+      <p:sp>
+        <p:nvSpPr>
+          <p:cNvPr id="5" name="Espaço Reservado para Número de Slide 4"/>
+          <p:cNvSpPr>
+            <a:spLocks noGrp="1"/>
+          </p:cNvSpPr>
+          <p:nvPr>
+            <p:ph type="sldNum" sz="quarter" idx="12"/>
+          </p:nvPr>
+        </p:nvSpPr>
+        <p:spPr/>
+        <p:txBody>
+          <a:bodyPr/>
+          <a:lstStyle/>
+          <a:p>
+            <a:fld id="{22DC83F2-CEF4-4466-B126-AAE1AA14D9D1}" type="slidenum">
+              <a:rPr lang="pt-BR" smtClean="0"/>
+              <a:pPr/>
+              <a:t>21</a:t>
+            </a:fld>
+            <a:endParaRPr lang="pt-BR" dirty="0"/>
           </a:p>
         </p:txBody>
       </p:sp>
@@ -6227,9 +6364,33 @@
           </a:p>
         </p:txBody>
       </p:sp>
+      <p:sp>
+        <p:nvSpPr>
+          <p:cNvPr id="5" name="Espaço Reservado para Número de Slide 4"/>
+          <p:cNvSpPr>
+            <a:spLocks noGrp="1"/>
+          </p:cNvSpPr>
+          <p:nvPr>
+            <p:ph type="sldNum" sz="quarter" idx="12"/>
+          </p:nvPr>
+        </p:nvSpPr>
+        <p:spPr/>
+        <p:txBody>
+          <a:bodyPr/>
+          <a:lstStyle/>
+          <a:p>
+            <a:fld id="{22DC83F2-CEF4-4466-B126-AAE1AA14D9D1}" type="slidenum">
+              <a:rPr lang="pt-BR" smtClean="0"/>
+              <a:pPr/>
+              <a:t>22</a:t>
+            </a:fld>
+            <a:endParaRPr lang="pt-BR" dirty="0"/>
+          </a:p>
+        </p:txBody>
+      </p:sp>
       <p:pic>
         <p:nvPicPr>
-          <p:cNvPr id="38914" name="Picture 2"/>
+          <p:cNvPr id="1027" name="Picture 3"/>
           <p:cNvPicPr>
             <a:picLocks noChangeAspect="1" noChangeArrowheads="1"/>
           </p:cNvPicPr>
@@ -6244,13 +6405,20 @@
         </p:blipFill>
         <p:spPr bwMode="auto">
           <a:xfrm>
-            <a:off x="2267744" y="1628800"/>
-            <a:ext cx="4581525" cy="4657725"/>
+            <a:off x="2483768" y="1354837"/>
+            <a:ext cx="4461892" cy="5333648"/>
           </a:xfrm>
           <a:prstGeom prst="rect">
             <a:avLst/>
           </a:prstGeom>
           <a:noFill/>
+          <a:ln w="9525">
+            <a:noFill/>
+            <a:miter lim="800000"/>
+            <a:headEnd/>
+            <a:tailEnd/>
+          </a:ln>
+          <a:effectLst/>
         </p:spPr>
       </p:pic>
     </p:spTree>
@@ -6291,16 +6459,25 @@
         <p:spPr>
           <a:xfrm>
             <a:off x="914400" y="274638"/>
-            <a:ext cx="7772400" cy="1066130"/>
-          </a:xfrm>
-        </p:spPr>
-        <p:txBody>
-          <a:bodyPr/>
+            <a:ext cx="7772400" cy="1642194"/>
+          </a:xfrm>
+        </p:spPr>
+        <p:txBody>
+          <a:bodyPr>
+            <a:normAutofit/>
+          </a:bodyPr>
           <a:lstStyle/>
           <a:p>
             <a:r>
               <a:rPr lang="pt-BR" dirty="0" smtClean="0"/>
-              <a:t>Módulo de tipos lógicos (AST)</a:t>
+              <a:t>Módulo </a:t>
+            </a:r>
+            <a:br>
+              <a:rPr lang="pt-BR" dirty="0" smtClean="0"/>
+            </a:br>
+            <a:r>
+              <a:rPr lang="pt-BR" dirty="0" smtClean="0"/>
+              <a:t>AST</a:t>
             </a:r>
             <a:endParaRPr lang="pt-BR" dirty="0"/>
           </a:p>
@@ -6323,8 +6500,8 @@
         </p:blipFill>
         <p:spPr bwMode="auto">
           <a:xfrm>
-            <a:off x="2771800" y="1268760"/>
-            <a:ext cx="3384376" cy="5437946"/>
+            <a:off x="3635896" y="116632"/>
+            <a:ext cx="4104456" cy="6594956"/>
           </a:xfrm>
           <a:prstGeom prst="rect">
             <a:avLst/>
@@ -6338,6 +6515,66 @@
           </a:ln>
         </p:spPr>
       </p:pic>
+      <p:sp>
+        <p:nvSpPr>
+          <p:cNvPr id="5" name="Espaço Reservado para Número de Slide 4"/>
+          <p:cNvSpPr>
+            <a:spLocks noGrp="1"/>
+          </p:cNvSpPr>
+          <p:nvPr>
+            <p:ph type="sldNum" sz="quarter" idx="12"/>
+          </p:nvPr>
+        </p:nvSpPr>
+        <p:spPr/>
+        <p:txBody>
+          <a:bodyPr/>
+          <a:lstStyle/>
+          <a:p>
+            <a:fld id="{22DC83F2-CEF4-4466-B126-AAE1AA14D9D1}" type="slidenum">
+              <a:rPr lang="pt-BR" smtClean="0"/>
+              <a:pPr/>
+              <a:t>23</a:t>
+            </a:fld>
+            <a:endParaRPr lang="pt-BR" dirty="0"/>
+          </a:p>
+        </p:txBody>
+      </p:sp>
+      <p:sp>
+        <p:nvSpPr>
+          <p:cNvPr id="6" name="CaixaDeTexto 5"/>
+          <p:cNvSpPr txBox="1"/>
+          <p:nvPr/>
+        </p:nvSpPr>
+        <p:spPr>
+          <a:xfrm>
+            <a:off x="539552" y="2924944"/>
+            <a:ext cx="2608406" cy="1077218"/>
+          </a:xfrm>
+          <a:prstGeom prst="rect">
+            <a:avLst/>
+          </a:prstGeom>
+          <a:noFill/>
+        </p:spPr>
+        <p:txBody>
+          <a:bodyPr wrap="none" rtlCol="0">
+            <a:spAutoFit/>
+          </a:bodyPr>
+          <a:lstStyle/>
+          <a:p>
+            <a:r>
+              <a:rPr lang="pt-BR" sz="3200" dirty="0" smtClean="0"/>
+              <a:t>Objetos gerado </a:t>
+            </a:r>
+          </a:p>
+          <a:p>
+            <a:r>
+              <a:rPr lang="pt-BR" sz="3200" dirty="0" smtClean="0"/>
+              <a:t>pelo compilador</a:t>
+            </a:r>
+            <a:endParaRPr lang="pt-BR" sz="3200" dirty="0"/>
+          </a:p>
+        </p:txBody>
+      </p:sp>
     </p:spTree>
   </p:cSld>
   <p:clrMapOvr>
@@ -6418,6 +6655,30 @@
           </a:ln>
         </p:spPr>
       </p:pic>
+      <p:sp>
+        <p:nvSpPr>
+          <p:cNvPr id="5" name="Espaço Reservado para Número de Slide 4"/>
+          <p:cNvSpPr>
+            <a:spLocks noGrp="1"/>
+          </p:cNvSpPr>
+          <p:nvPr>
+            <p:ph type="sldNum" sz="quarter" idx="12"/>
+          </p:nvPr>
+        </p:nvSpPr>
+        <p:spPr/>
+        <p:txBody>
+          <a:bodyPr/>
+          <a:lstStyle/>
+          <a:p>
+            <a:fld id="{22DC83F2-CEF4-4466-B126-AAE1AA14D9D1}" type="slidenum">
+              <a:rPr lang="pt-BR" smtClean="0"/>
+              <a:pPr/>
+              <a:t>24</a:t>
+            </a:fld>
+            <a:endParaRPr lang="pt-BR" dirty="0"/>
+          </a:p>
+        </p:txBody>
+      </p:sp>
     </p:spTree>
   </p:cSld>
   <p:clrMapOvr>
@@ -6498,6 +6759,30 @@
           </a:ln>
         </p:spPr>
       </p:pic>
+      <p:sp>
+        <p:nvSpPr>
+          <p:cNvPr id="5" name="Espaço Reservado para Número de Slide 4"/>
+          <p:cNvSpPr>
+            <a:spLocks noGrp="1"/>
+          </p:cNvSpPr>
+          <p:nvPr>
+            <p:ph type="sldNum" sz="quarter" idx="12"/>
+          </p:nvPr>
+        </p:nvSpPr>
+        <p:spPr/>
+        <p:txBody>
+          <a:bodyPr/>
+          <a:lstStyle/>
+          <a:p>
+            <a:fld id="{22DC83F2-CEF4-4466-B126-AAE1AA14D9D1}" type="slidenum">
+              <a:rPr lang="pt-BR" smtClean="0"/>
+              <a:pPr/>
+              <a:t>25</a:t>
+            </a:fld>
+            <a:endParaRPr lang="pt-BR" dirty="0"/>
+          </a:p>
+        </p:txBody>
+      </p:sp>
     </p:spTree>
   </p:cSld>
   <p:clrMapOvr>
@@ -6582,19 +6867,17 @@
                 <a:latin typeface="Courier New" pitchFamily="49" charset="0"/>
                 <a:cs typeface="Courier New" pitchFamily="49" charset="0"/>
               </a:rPr>
-              <a:t>Solução por Tableau Semântico ' em 2 </a:t>
-            </a:r>
+              <a:t>Solução por Tableau Semântico ' em 2 ms</a:t>
+            </a:r>
+          </a:p>
+          <a:p>
             <a:r>
               <a:rPr lang="pt-BR" sz="1400" dirty="0" smtClean="0">
                 <a:latin typeface="Courier New" pitchFamily="49" charset="0"/>
                 <a:cs typeface="Courier New" pitchFamily="49" charset="0"/>
               </a:rPr>
-              <a:t>ms</a:t>
-            </a:r>
-            <a:endParaRPr lang="pt-BR" sz="1400" dirty="0" smtClean="0">
-              <a:latin typeface="Courier New" pitchFamily="49" charset="0"/>
-              <a:cs typeface="Courier New" pitchFamily="49" charset="0"/>
-            </a:endParaRPr>
+              <a:t>Inference rules = Smullyan’s Tableau</a:t>
+            </a:r>
           </a:p>
           <a:p>
             <a:r>
@@ -6602,112 +6885,8 @@
                 <a:latin typeface="Courier New" pitchFamily="49" charset="0"/>
                 <a:cs typeface="Courier New" pitchFamily="49" charset="0"/>
               </a:rPr>
-              <a:t>Inference</a:t>
-            </a:r>
-            <a:r>
-              <a:rPr lang="pt-BR" sz="1400" dirty="0" smtClean="0">
-                <a:latin typeface="Courier New" pitchFamily="49" charset="0"/>
-                <a:cs typeface="Courier New" pitchFamily="49" charset="0"/>
-              </a:rPr>
-              <a:t> </a:t>
-            </a:r>
-            <a:r>
-              <a:rPr lang="pt-BR" sz="1400" dirty="0" smtClean="0">
-                <a:latin typeface="Courier New" pitchFamily="49" charset="0"/>
-                <a:cs typeface="Courier New" pitchFamily="49" charset="0"/>
-              </a:rPr>
-              <a:t>rules</a:t>
-            </a:r>
-            <a:r>
-              <a:rPr lang="pt-BR" sz="1400" dirty="0" smtClean="0">
-                <a:latin typeface="Courier New" pitchFamily="49" charset="0"/>
-                <a:cs typeface="Courier New" pitchFamily="49" charset="0"/>
-              </a:rPr>
-              <a:t> = </a:t>
-            </a:r>
-            <a:r>
-              <a:rPr lang="pt-BR" sz="1400" dirty="0" smtClean="0">
-                <a:latin typeface="Courier New" pitchFamily="49" charset="0"/>
-                <a:cs typeface="Courier New" pitchFamily="49" charset="0"/>
-              </a:rPr>
-              <a:t>Smullyan’s</a:t>
-            </a:r>
-            <a:r>
-              <a:rPr lang="pt-BR" sz="1400" dirty="0" smtClean="0">
-                <a:latin typeface="Courier New" pitchFamily="49" charset="0"/>
-                <a:cs typeface="Courier New" pitchFamily="49" charset="0"/>
-              </a:rPr>
-              <a:t> Tableau</a:t>
-            </a:r>
-          </a:p>
-          <a:p>
-            <a:r>
-              <a:rPr lang="pt-BR" sz="1400" dirty="0" smtClean="0">
-                <a:latin typeface="Courier New" pitchFamily="49" charset="0"/>
-                <a:cs typeface="Courier New" pitchFamily="49" charset="0"/>
-              </a:rPr>
-              <a:t>Node</a:t>
-            </a:r>
-            <a:r>
-              <a:rPr lang="pt-BR" sz="1400" dirty="0" smtClean="0">
-                <a:latin typeface="Courier New" pitchFamily="49" charset="0"/>
-                <a:cs typeface="Courier New" pitchFamily="49" charset="0"/>
-              </a:rPr>
-              <a:t> </a:t>
-            </a:r>
-            <a:r>
-              <a:rPr lang="pt-BR" sz="1400" dirty="0" smtClean="0">
-                <a:latin typeface="Courier New" pitchFamily="49" charset="0"/>
-                <a:cs typeface="Courier New" pitchFamily="49" charset="0"/>
-              </a:rPr>
-              <a:t>selector</a:t>
-            </a:r>
-            <a:r>
-              <a:rPr lang="pt-BR" sz="1400" dirty="0" smtClean="0">
-                <a:latin typeface="Courier New" pitchFamily="49" charset="0"/>
-                <a:cs typeface="Courier New" pitchFamily="49" charset="0"/>
-              </a:rPr>
-              <a:t>   = </a:t>
-            </a:r>
-            <a:r>
-              <a:rPr lang="pt-BR" sz="1400" dirty="0" smtClean="0">
-                <a:latin typeface="Courier New" pitchFamily="49" charset="0"/>
-                <a:cs typeface="Courier New" pitchFamily="49" charset="0"/>
-              </a:rPr>
-              <a:t>Priority</a:t>
-            </a:r>
-            <a:r>
-              <a:rPr lang="pt-BR" sz="1400" dirty="0" smtClean="0">
-                <a:latin typeface="Courier New" pitchFamily="49" charset="0"/>
-                <a:cs typeface="Courier New" pitchFamily="49" charset="0"/>
-              </a:rPr>
-              <a:t> </a:t>
-            </a:r>
-            <a:r>
-              <a:rPr lang="pt-BR" sz="1400" dirty="0" smtClean="0">
-                <a:latin typeface="Courier New" pitchFamily="49" charset="0"/>
-                <a:cs typeface="Courier New" pitchFamily="49" charset="0"/>
-              </a:rPr>
-              <a:t>Node</a:t>
-            </a:r>
-            <a:r>
-              <a:rPr lang="pt-BR" sz="1400" dirty="0" smtClean="0">
-                <a:latin typeface="Courier New" pitchFamily="49" charset="0"/>
-                <a:cs typeface="Courier New" pitchFamily="49" charset="0"/>
-              </a:rPr>
-              <a:t> </a:t>
-            </a:r>
-            <a:r>
-              <a:rPr lang="pt-BR" sz="1400" dirty="0" smtClean="0">
-                <a:latin typeface="Courier New" pitchFamily="49" charset="0"/>
-                <a:cs typeface="Courier New" pitchFamily="49" charset="0"/>
-              </a:rPr>
-              <a:t>Selector</a:t>
-            </a:r>
-            <a:endParaRPr lang="pt-BR" sz="1400" dirty="0" smtClean="0">
-              <a:latin typeface="Courier New" pitchFamily="49" charset="0"/>
-              <a:cs typeface="Courier New" pitchFamily="49" charset="0"/>
-            </a:endParaRPr>
+              <a:t>Node selector   = Priority Node Selector</a:t>
+            </a:r>
           </a:p>
           <a:p>
             <a:r>
@@ -6796,114 +6975,16 @@
                 <a:latin typeface="Courier New" pitchFamily="49" charset="0"/>
                 <a:cs typeface="Courier New" pitchFamily="49" charset="0"/>
               </a:rPr>
-              <a:t>    10 | </a:t>
-            </a:r>
+              <a:t>    10 | | | | (T) R                          {8 T-&gt;:r}</a:t>
+            </a:r>
+          </a:p>
+          <a:p>
             <a:r>
               <a:rPr lang="pt-BR" sz="1400" dirty="0" smtClean="0">
                 <a:latin typeface="Courier New" pitchFamily="49" charset="0"/>
                 <a:cs typeface="Courier New" pitchFamily="49" charset="0"/>
               </a:rPr>
-              <a:t>|</a:t>
-            </a:r>
-            <a:r>
-              <a:rPr lang="pt-BR" sz="1400" dirty="0" smtClean="0">
-                <a:latin typeface="Courier New" pitchFamily="49" charset="0"/>
-                <a:cs typeface="Courier New" pitchFamily="49" charset="0"/>
-              </a:rPr>
-              <a:t> </a:t>
-            </a:r>
-            <a:r>
-              <a:rPr lang="pt-BR" sz="1400" dirty="0" smtClean="0">
-                <a:latin typeface="Courier New" pitchFamily="49" charset="0"/>
-                <a:cs typeface="Courier New" pitchFamily="49" charset="0"/>
-              </a:rPr>
-              <a:t>|</a:t>
-            </a:r>
-            <a:r>
-              <a:rPr lang="pt-BR" sz="1400" dirty="0" smtClean="0">
-                <a:latin typeface="Courier New" pitchFamily="49" charset="0"/>
-                <a:cs typeface="Courier New" pitchFamily="49" charset="0"/>
-              </a:rPr>
-              <a:t> </a:t>
-            </a:r>
-            <a:r>
-              <a:rPr lang="pt-BR" sz="1400" dirty="0" smtClean="0">
-                <a:latin typeface="Courier New" pitchFamily="49" charset="0"/>
-                <a:cs typeface="Courier New" pitchFamily="49" charset="0"/>
-              </a:rPr>
-              <a:t>|</a:t>
-            </a:r>
-            <a:r>
-              <a:rPr lang="pt-BR" sz="1400" dirty="0" smtClean="0">
-                <a:latin typeface="Courier New" pitchFamily="49" charset="0"/>
-                <a:cs typeface="Courier New" pitchFamily="49" charset="0"/>
-              </a:rPr>
-              <a:t> (T) R                          {8 T-&gt;:r}</a:t>
-            </a:r>
-          </a:p>
-          <a:p>
-            <a:r>
-              <a:rPr lang="pt-BR" sz="1400" dirty="0" smtClean="0">
-                <a:latin typeface="Courier New" pitchFamily="49" charset="0"/>
-                <a:cs typeface="Courier New" pitchFamily="49" charset="0"/>
-              </a:rPr>
-              <a:t>    11 | </a:t>
-            </a:r>
-            <a:r>
-              <a:rPr lang="pt-BR" sz="1400" dirty="0" smtClean="0">
-                <a:latin typeface="Courier New" pitchFamily="49" charset="0"/>
-                <a:cs typeface="Courier New" pitchFamily="49" charset="0"/>
-              </a:rPr>
-              <a:t>|</a:t>
-            </a:r>
-            <a:r>
-              <a:rPr lang="pt-BR" sz="1400" dirty="0" smtClean="0">
-                <a:latin typeface="Courier New" pitchFamily="49" charset="0"/>
-                <a:cs typeface="Courier New" pitchFamily="49" charset="0"/>
-              </a:rPr>
-              <a:t> </a:t>
-            </a:r>
-            <a:r>
-              <a:rPr lang="pt-BR" sz="1400" dirty="0" smtClean="0">
-                <a:latin typeface="Courier New" pitchFamily="49" charset="0"/>
-                <a:cs typeface="Courier New" pitchFamily="49" charset="0"/>
-              </a:rPr>
-              <a:t>|</a:t>
-            </a:r>
-            <a:r>
-              <a:rPr lang="pt-BR" sz="1400" dirty="0" smtClean="0">
-                <a:latin typeface="Courier New" pitchFamily="49" charset="0"/>
-                <a:cs typeface="Courier New" pitchFamily="49" charset="0"/>
-              </a:rPr>
-              <a:t> </a:t>
-            </a:r>
-            <a:r>
-              <a:rPr lang="pt-BR" sz="1400" dirty="0" smtClean="0">
-                <a:latin typeface="Courier New" pitchFamily="49" charset="0"/>
-                <a:cs typeface="Courier New" pitchFamily="49" charset="0"/>
-              </a:rPr>
-              <a:t>|</a:t>
-            </a:r>
-            <a:r>
-              <a:rPr lang="pt-BR" sz="1400" dirty="0" smtClean="0">
-                <a:latin typeface="Courier New" pitchFamily="49" charset="0"/>
-                <a:cs typeface="Courier New" pitchFamily="49" charset="0"/>
-              </a:rPr>
-              <a:t> -X-                            {10,7 </a:t>
-            </a:r>
-            <a:r>
-              <a:rPr lang="pt-BR" sz="1400" dirty="0" smtClean="0">
-                <a:latin typeface="Courier New" pitchFamily="49" charset="0"/>
-                <a:cs typeface="Courier New" pitchFamily="49" charset="0"/>
-              </a:rPr>
-              <a:t>closure</a:t>
-            </a:r>
-            <a:r>
-              <a:rPr lang="pt-BR" sz="1400" dirty="0" smtClean="0">
-                <a:latin typeface="Courier New" pitchFamily="49" charset="0"/>
-                <a:cs typeface="Courier New" pitchFamily="49" charset="0"/>
-              </a:rPr>
-              <a:t>}</a:t>
+              <a:t>    11 | | | | -X-                            {10,7 closure}</a:t>
             </a:r>
           </a:p>
           <a:p>
@@ -6921,109 +7002,25 @@
                 <a:latin typeface="Courier New" pitchFamily="49" charset="0"/>
                 <a:cs typeface="Courier New" pitchFamily="49" charset="0"/>
               </a:rPr>
-              <a:t>    13 | </a:t>
-            </a:r>
+              <a:t>    13 | | | -X-                              {12,9 closure}</a:t>
+            </a:r>
+          </a:p>
+          <a:p>
             <a:r>
               <a:rPr lang="pt-BR" sz="1400" dirty="0" smtClean="0">
                 <a:latin typeface="Courier New" pitchFamily="49" charset="0"/>
                 <a:cs typeface="Courier New" pitchFamily="49" charset="0"/>
               </a:rPr>
-              <a:t>|</a:t>
-            </a:r>
+              <a:t>    14 | | (F) P                              {4 T-&gt;:l}</a:t>
+            </a:r>
+          </a:p>
+          <a:p>
             <a:r>
               <a:rPr lang="pt-BR" sz="1400" dirty="0" smtClean="0">
                 <a:latin typeface="Courier New" pitchFamily="49" charset="0"/>
                 <a:cs typeface="Courier New" pitchFamily="49" charset="0"/>
               </a:rPr>
-              <a:t> </a:t>
-            </a:r>
-            <a:r>
-              <a:rPr lang="pt-BR" sz="1400" dirty="0" smtClean="0">
-                <a:latin typeface="Courier New" pitchFamily="49" charset="0"/>
-                <a:cs typeface="Courier New" pitchFamily="49" charset="0"/>
-              </a:rPr>
-              <a:t>|</a:t>
-            </a:r>
-            <a:r>
-              <a:rPr lang="pt-BR" sz="1400" dirty="0" smtClean="0">
-                <a:latin typeface="Courier New" pitchFamily="49" charset="0"/>
-                <a:cs typeface="Courier New" pitchFamily="49" charset="0"/>
-              </a:rPr>
-              <a:t> -X-                              {12,9 </a:t>
-            </a:r>
-            <a:r>
-              <a:rPr lang="pt-BR" sz="1400" dirty="0" smtClean="0">
-                <a:latin typeface="Courier New" pitchFamily="49" charset="0"/>
-                <a:cs typeface="Courier New" pitchFamily="49" charset="0"/>
-              </a:rPr>
-              <a:t>closure</a:t>
-            </a:r>
-            <a:r>
-              <a:rPr lang="pt-BR" sz="1400" dirty="0" smtClean="0">
-                <a:latin typeface="Courier New" pitchFamily="49" charset="0"/>
-                <a:cs typeface="Courier New" pitchFamily="49" charset="0"/>
-              </a:rPr>
-              <a:t>}</a:t>
-            </a:r>
-          </a:p>
-          <a:p>
-            <a:r>
-              <a:rPr lang="pt-BR" sz="1400" dirty="0" smtClean="0">
-                <a:latin typeface="Courier New" pitchFamily="49" charset="0"/>
-                <a:cs typeface="Courier New" pitchFamily="49" charset="0"/>
-              </a:rPr>
-              <a:t>    14 | </a:t>
-            </a:r>
-            <a:r>
-              <a:rPr lang="pt-BR" sz="1400" dirty="0" smtClean="0">
-                <a:latin typeface="Courier New" pitchFamily="49" charset="0"/>
-                <a:cs typeface="Courier New" pitchFamily="49" charset="0"/>
-              </a:rPr>
-              <a:t>|</a:t>
-            </a:r>
-            <a:r>
-              <a:rPr lang="pt-BR" sz="1400" dirty="0" smtClean="0">
-                <a:latin typeface="Courier New" pitchFamily="49" charset="0"/>
-                <a:cs typeface="Courier New" pitchFamily="49" charset="0"/>
-              </a:rPr>
-              <a:t> (F) P                              {4 T-&gt;:l}</a:t>
-            </a:r>
-          </a:p>
-          <a:p>
-            <a:r>
-              <a:rPr lang="pt-BR" sz="1400" dirty="0" smtClean="0">
-                <a:latin typeface="Courier New" pitchFamily="49" charset="0"/>
-                <a:cs typeface="Courier New" pitchFamily="49" charset="0"/>
-              </a:rPr>
-              <a:t>    15 | </a:t>
-            </a:r>
-            <a:r>
-              <a:rPr lang="pt-BR" sz="1400" dirty="0" smtClean="0">
-                <a:latin typeface="Courier New" pitchFamily="49" charset="0"/>
-                <a:cs typeface="Courier New" pitchFamily="49" charset="0"/>
-              </a:rPr>
-              <a:t>|</a:t>
-            </a:r>
-            <a:r>
-              <a:rPr lang="pt-BR" sz="1400" dirty="0" smtClean="0">
-                <a:latin typeface="Courier New" pitchFamily="49" charset="0"/>
-                <a:cs typeface="Courier New" pitchFamily="49" charset="0"/>
-              </a:rPr>
-              <a:t> -X-                                {14,6 </a:t>
-            </a:r>
-            <a:r>
-              <a:rPr lang="pt-BR" sz="1400" dirty="0" smtClean="0">
-                <a:latin typeface="Courier New" pitchFamily="49" charset="0"/>
-                <a:cs typeface="Courier New" pitchFamily="49" charset="0"/>
-              </a:rPr>
-              <a:t>closure</a:t>
-            </a:r>
-            <a:r>
-              <a:rPr lang="pt-BR" sz="1400" dirty="0" smtClean="0">
-                <a:latin typeface="Courier New" pitchFamily="49" charset="0"/>
-                <a:cs typeface="Courier New" pitchFamily="49" charset="0"/>
-              </a:rPr>
-              <a:t>}</a:t>
+              <a:t>    15 | | -X-                                {14,6 closure}</a:t>
             </a:r>
           </a:p>
           <a:p>
@@ -7041,44 +7038,16 @@
                 <a:latin typeface="Courier New" pitchFamily="49" charset="0"/>
                 <a:cs typeface="Courier New" pitchFamily="49" charset="0"/>
               </a:rPr>
-              <a:t>    17 | -X-                                  {16,6 </a:t>
-            </a:r>
+              <a:t>    17 | -X-                                  {16,6 closure}</a:t>
+            </a:r>
+          </a:p>
+          <a:p>
             <a:r>
               <a:rPr lang="pt-BR" sz="1400" dirty="0" smtClean="0">
                 <a:latin typeface="Courier New" pitchFamily="49" charset="0"/>
                 <a:cs typeface="Courier New" pitchFamily="49" charset="0"/>
               </a:rPr>
-              <a:t>closure</a:t>
-            </a:r>
-            <a:r>
-              <a:rPr lang="pt-BR" sz="1400" dirty="0" smtClean="0">
-                <a:latin typeface="Courier New" pitchFamily="49" charset="0"/>
-                <a:cs typeface="Courier New" pitchFamily="49" charset="0"/>
-              </a:rPr>
-              <a:t>}</a:t>
-            </a:r>
-          </a:p>
-          <a:p>
-            <a:r>
-              <a:rPr lang="pt-BR" sz="1400" dirty="0" smtClean="0">
-                <a:latin typeface="Courier New" pitchFamily="49" charset="0"/>
-                <a:cs typeface="Courier New" pitchFamily="49" charset="0"/>
-              </a:rPr>
-              <a:t>Total de </a:t>
-            </a:r>
-            <a:r>
-              <a:rPr lang="pt-BR" sz="1400" dirty="0" smtClean="0">
-                <a:latin typeface="Courier New" pitchFamily="49" charset="0"/>
-                <a:cs typeface="Courier New" pitchFamily="49" charset="0"/>
-              </a:rPr>
-              <a:t>vertices</a:t>
-            </a:r>
-            <a:r>
-              <a:rPr lang="pt-BR" sz="1400" dirty="0" smtClean="0">
-                <a:latin typeface="Courier New" pitchFamily="49" charset="0"/>
-                <a:cs typeface="Courier New" pitchFamily="49" charset="0"/>
-              </a:rPr>
-              <a:t> = 14</a:t>
+              <a:t>Total de vertices = 14</a:t>
             </a:r>
           </a:p>
           <a:p>
@@ -7093,6 +7062,30 @@
               <a:latin typeface="Courier New" pitchFamily="49" charset="0"/>
               <a:cs typeface="Courier New" pitchFamily="49" charset="0"/>
             </a:endParaRPr>
+          </a:p>
+        </p:txBody>
+      </p:sp>
+      <p:sp>
+        <p:nvSpPr>
+          <p:cNvPr id="6" name="Espaço Reservado para Número de Slide 5"/>
+          <p:cNvSpPr>
+            <a:spLocks noGrp="1"/>
+          </p:cNvSpPr>
+          <p:nvPr>
+            <p:ph type="sldNum" sz="quarter" idx="12"/>
+          </p:nvPr>
+        </p:nvSpPr>
+        <p:spPr/>
+        <p:txBody>
+          <a:bodyPr/>
+          <a:lstStyle/>
+          <a:p>
+            <a:fld id="{22DC83F2-CEF4-4466-B126-AAE1AA14D9D1}" type="slidenum">
+              <a:rPr lang="pt-BR" smtClean="0"/>
+              <a:pPr/>
+              <a:t>26</a:t>
+            </a:fld>
+            <a:endParaRPr lang="pt-BR" dirty="0"/>
           </a:p>
         </p:txBody>
       </p:sp>
@@ -7184,14 +7177,7 @@
                 <a:latin typeface="Courier New" pitchFamily="49" charset="0"/>
                 <a:cs typeface="Courier New" pitchFamily="49" charset="0"/>
               </a:rPr>
-              <a:t>Fa</a:t>
-            </a:r>
-            <a:r>
-              <a:rPr lang="pt-BR" b="1" dirty="0" smtClean="0">
-                <a:latin typeface="Courier New" pitchFamily="49" charset="0"/>
-                <a:cs typeface="Courier New" pitchFamily="49" charset="0"/>
-              </a:rPr>
-              <a:t>:x(Ex:y((P(x,y)-&gt;Q(g(y,h(x))))))</a:t>
+              <a:t>Fa:x(Ex:y((P(x,y)-&gt;Q(g(y,h(x))))))</a:t>
             </a:r>
             <a:endParaRPr lang="pt-BR" dirty="0" smtClean="0">
               <a:latin typeface="Courier New" pitchFamily="49" charset="0"/>
@@ -7258,21 +7244,7 @@
                 <a:latin typeface="Courier New" pitchFamily="49" charset="0"/>
                 <a:cs typeface="Courier New" pitchFamily="49" charset="0"/>
               </a:rPr>
-              <a:t>| Escopo | Tipo       | </a:t>
-            </a:r>
-            <a:r>
-              <a:rPr lang="pt-BR" dirty="0" smtClean="0">
-                <a:latin typeface="Courier New" pitchFamily="49" charset="0"/>
-                <a:cs typeface="Courier New" pitchFamily="49" charset="0"/>
-              </a:rPr>
-              <a:t>Ocorr</a:t>
-            </a:r>
-            <a:r>
-              <a:rPr lang="pt-BR" dirty="0" smtClean="0">
-                <a:latin typeface="Courier New" pitchFamily="49" charset="0"/>
-                <a:cs typeface="Courier New" pitchFamily="49" charset="0"/>
-              </a:rPr>
-              <a:t>. | Lexema         |</a:t>
+              <a:t>| Escopo | Tipo       | Ocorr. | Lexema         |</a:t>
             </a:r>
           </a:p>
           <a:p>
@@ -7290,21 +7262,25 @@
                 <a:latin typeface="Courier New" pitchFamily="49" charset="0"/>
                 <a:cs typeface="Courier New" pitchFamily="49" charset="0"/>
               </a:rPr>
-              <a:t>|      0 | </a:t>
-            </a:r>
+              <a:t>|      0 | Function   |      1 | g              |</a:t>
+            </a:r>
+          </a:p>
+          <a:p>
             <a:r>
               <a:rPr lang="pt-BR" dirty="0" smtClean="0">
                 <a:latin typeface="Courier New" pitchFamily="49" charset="0"/>
                 <a:cs typeface="Courier New" pitchFamily="49" charset="0"/>
               </a:rPr>
-              <a:t>Function</a:t>
-            </a:r>
+              <a:t>|      0 | Predicate  |      2 | Q              |</a:t>
+            </a:r>
+          </a:p>
+          <a:p>
             <a:r>
               <a:rPr lang="pt-BR" dirty="0" smtClean="0">
                 <a:latin typeface="Courier New" pitchFamily="49" charset="0"/>
                 <a:cs typeface="Courier New" pitchFamily="49" charset="0"/>
               </a:rPr>
-              <a:t>   |      1 | g              |</a:t>
+              <a:t>|      0 | Predicate  |      1 | P              |</a:t>
             </a:r>
           </a:p>
           <a:p>
@@ -7313,67 +7289,7 @@
                 <a:latin typeface="Courier New" pitchFamily="49" charset="0"/>
                 <a:cs typeface="Courier New" pitchFamily="49" charset="0"/>
               </a:rPr>
-              <a:t>|      0 | </a:t>
-            </a:r>
-            <a:r>
-              <a:rPr lang="pt-BR" dirty="0" smtClean="0">
-                <a:latin typeface="Courier New" pitchFamily="49" charset="0"/>
-                <a:cs typeface="Courier New" pitchFamily="49" charset="0"/>
-              </a:rPr>
-              <a:t>Predicate</a:t>
-            </a:r>
-            <a:r>
-              <a:rPr lang="pt-BR" dirty="0" smtClean="0">
-                <a:latin typeface="Courier New" pitchFamily="49" charset="0"/>
-                <a:cs typeface="Courier New" pitchFamily="49" charset="0"/>
-              </a:rPr>
-              <a:t>  |      2 | Q              |</a:t>
-            </a:r>
-          </a:p>
-          <a:p>
-            <a:r>
-              <a:rPr lang="pt-BR" dirty="0" smtClean="0">
-                <a:latin typeface="Courier New" pitchFamily="49" charset="0"/>
-                <a:cs typeface="Courier New" pitchFamily="49" charset="0"/>
-              </a:rPr>
-              <a:t>|      0 | </a:t>
-            </a:r>
-            <a:r>
-              <a:rPr lang="pt-BR" dirty="0" smtClean="0">
-                <a:latin typeface="Courier New" pitchFamily="49" charset="0"/>
-                <a:cs typeface="Courier New" pitchFamily="49" charset="0"/>
-              </a:rPr>
-              <a:t>Predicate</a:t>
-            </a:r>
-            <a:r>
-              <a:rPr lang="pt-BR" dirty="0" smtClean="0">
-                <a:latin typeface="Courier New" pitchFamily="49" charset="0"/>
-                <a:cs typeface="Courier New" pitchFamily="49" charset="0"/>
-              </a:rPr>
-              <a:t>  |      1 | P              |</a:t>
-            </a:r>
-          </a:p>
-          <a:p>
-            <a:r>
-              <a:rPr lang="pt-BR" dirty="0" smtClean="0">
-                <a:latin typeface="Courier New" pitchFamily="49" charset="0"/>
-                <a:cs typeface="Courier New" pitchFamily="49" charset="0"/>
-              </a:rPr>
-              <a:t>|      0 | </a:t>
-            </a:r>
-            <a:r>
-              <a:rPr lang="pt-BR" dirty="0" smtClean="0">
-                <a:latin typeface="Courier New" pitchFamily="49" charset="0"/>
-                <a:cs typeface="Courier New" pitchFamily="49" charset="0"/>
-              </a:rPr>
-              <a:t>Function</a:t>
-            </a:r>
-            <a:r>
-              <a:rPr lang="pt-BR" dirty="0" smtClean="0">
-                <a:latin typeface="Courier New" pitchFamily="49" charset="0"/>
-                <a:cs typeface="Courier New" pitchFamily="49" charset="0"/>
-              </a:rPr>
-              <a:t>   |      2 | h              |</a:t>
+              <a:t>|      0 | Function   |      2 | h              |</a:t>
             </a:r>
           </a:p>
           <a:p>
@@ -7408,6 +7324,30 @@
               <a:latin typeface="Courier New" pitchFamily="49" charset="0"/>
               <a:cs typeface="Courier New" pitchFamily="49" charset="0"/>
             </a:endParaRPr>
+          </a:p>
+        </p:txBody>
+      </p:sp>
+      <p:sp>
+        <p:nvSpPr>
+          <p:cNvPr id="6" name="Espaço Reservado para Número de Slide 5"/>
+          <p:cNvSpPr>
+            <a:spLocks noGrp="1"/>
+          </p:cNvSpPr>
+          <p:nvPr>
+            <p:ph type="sldNum" sz="quarter" idx="12"/>
+          </p:nvPr>
+        </p:nvSpPr>
+        <p:spPr/>
+        <p:txBody>
+          <a:bodyPr/>
+          <a:lstStyle/>
+          <a:p>
+            <a:fld id="{22DC83F2-CEF4-4466-B126-AAE1AA14D9D1}" type="slidenum">
+              <a:rPr lang="pt-BR" smtClean="0"/>
+              <a:pPr/>
+              <a:t>27</a:t>
+            </a:fld>
+            <a:endParaRPr lang="pt-BR" dirty="0"/>
           </a:p>
         </p:txBody>
       </p:sp>
@@ -7484,13 +7424,8 @@
             <a:pPr lvl="0"/>
             <a:r>
               <a:rPr lang="pt-BR" sz="2800" dirty="0" smtClean="0"/>
-              <a:t>Elaborar uma interface gráfica intuitiva e com resultado imediato, incluindo a possibilidade de gerar a árvore sintática </a:t>
-            </a:r>
-            <a:r>
-              <a:rPr lang="pt-BR" sz="2800" dirty="0" smtClean="0"/>
-              <a:t>das fórmulas. </a:t>
-            </a:r>
-            <a:endParaRPr lang="pt-BR" sz="2800" dirty="0" smtClean="0"/>
+              <a:t>Elaborar uma interface gráfica intuitiva e com resultado imediato, incluindo a possibilidade de gerar a árvore sintática das fórmulas. </a:t>
+            </a:r>
           </a:p>
           <a:p>
             <a:pPr lvl="0"/>
@@ -7503,39 +7438,46 @@
             <a:pPr lvl="0"/>
             <a:r>
               <a:rPr lang="pt-BR" sz="2800" dirty="0" smtClean="0"/>
-              <a:t>Ampliar </a:t>
-            </a:r>
+              <a:t>Ampliar a pesquisa para adaptar os algoritmos de solução para lógica de primeira ordem. </a:t>
+            </a:r>
+          </a:p>
+          <a:p>
+            <a:pPr lvl="0"/>
             <a:r>
               <a:rPr lang="pt-BR" sz="2800" dirty="0" smtClean="0"/>
-              <a:t>a pesquisa para adaptar os algoritmos de solução para lógica de primeira ordem. </a:t>
+              <a:t>Pesquisar formas de geração de lema para ampliar a eficiência do tableau com lema e do tableau KE.</a:t>
             </a:r>
           </a:p>
           <a:p>
             <a:pPr lvl="0"/>
             <a:r>
               <a:rPr lang="pt-BR" sz="2800" dirty="0" smtClean="0"/>
-              <a:t>Pesquisar formas de geração de lema para ampliar a eficiência do tableau com lema e do tableau </a:t>
-            </a:r>
-            <a:r>
-              <a:rPr lang="pt-BR" sz="2800" dirty="0" smtClean="0"/>
-              <a:t>KE.</a:t>
-            </a:r>
-          </a:p>
-          <a:p>
-            <a:pPr lvl="0"/>
-            <a:r>
-              <a:rPr lang="pt-BR" sz="2800" dirty="0" smtClean="0"/>
-              <a:t>Ampliar </a:t>
-            </a:r>
-            <a:r>
-              <a:rPr lang="pt-BR" sz="2800" dirty="0" smtClean="0"/>
-              <a:t>a linha de pesquisa para aplicação do software para outras formas de lógica</a:t>
-            </a:r>
-            <a:r>
-              <a:rPr lang="pt-BR" sz="2800" dirty="0" smtClean="0"/>
-              <a:t>.</a:t>
-            </a:r>
-            <a:endParaRPr lang="pt-BR" sz="2800" dirty="0" smtClean="0"/>
+              <a:t>Ampliar a linha de pesquisa para aplicação do software para outras formas de lógica.</a:t>
+            </a:r>
+          </a:p>
+        </p:txBody>
+      </p:sp>
+      <p:sp>
+        <p:nvSpPr>
+          <p:cNvPr id="5" name="Espaço Reservado para Número de Slide 4"/>
+          <p:cNvSpPr>
+            <a:spLocks noGrp="1"/>
+          </p:cNvSpPr>
+          <p:nvPr>
+            <p:ph type="sldNum" sz="quarter" idx="12"/>
+          </p:nvPr>
+        </p:nvSpPr>
+        <p:spPr/>
+        <p:txBody>
+          <a:bodyPr/>
+          <a:lstStyle/>
+          <a:p>
+            <a:fld id="{22DC83F2-CEF4-4466-B126-AAE1AA14D9D1}" type="slidenum">
+              <a:rPr lang="pt-BR" smtClean="0"/>
+              <a:pPr/>
+              <a:t>28</a:t>
+            </a:fld>
+            <a:endParaRPr lang="pt-BR" dirty="0"/>
           </a:p>
         </p:txBody>
       </p:sp>
@@ -7626,46 +7568,53 @@
             <a:pPr lvl="0"/>
             <a:r>
               <a:rPr lang="pt-BR" sz="2800" dirty="0" smtClean="0"/>
-              <a:t>Criar </a:t>
-            </a:r>
+              <a:t>Criar um módulo de teste do software. </a:t>
+            </a:r>
+          </a:p>
+          <a:p>
+            <a:pPr lvl="0"/>
             <a:r>
               <a:rPr lang="pt-BR" sz="2800" dirty="0" smtClean="0"/>
-              <a:t>um módulo de teste do software. </a:t>
-            </a:r>
-            <a:endParaRPr lang="pt-BR" sz="2800" dirty="0" smtClean="0"/>
+              <a:t>lógica de primeira ordem. </a:t>
+            </a:r>
           </a:p>
           <a:p>
             <a:pPr lvl="0"/>
             <a:r>
               <a:rPr lang="pt-BR" sz="2800" dirty="0" smtClean="0"/>
-              <a:t>lógica </a:t>
-            </a:r>
+              <a:t>Pesquisar formas de geração de lema para ampliar a eficiência do tableau com lema e do tableau KE.</a:t>
+            </a:r>
+          </a:p>
+          <a:p>
             <a:r>
               <a:rPr lang="pt-BR" sz="2800" dirty="0" smtClean="0"/>
-              <a:t>de primeira ordem. </a:t>
-            </a:r>
-          </a:p>
-          <a:p>
-            <a:pPr lvl="0"/>
-            <a:r>
-              <a:rPr lang="pt-BR" sz="2800" dirty="0" smtClean="0"/>
-              <a:t>Pesquisar formas de geração de lema para ampliar a eficiência do tableau com lema e do tableau </a:t>
-            </a:r>
-            <a:r>
-              <a:rPr lang="pt-BR" sz="2800" dirty="0" smtClean="0"/>
-              <a:t>KE.</a:t>
-            </a:r>
-          </a:p>
-          <a:p>
-            <a:r>
-              <a:rPr lang="pt-BR" sz="2800" dirty="0" smtClean="0"/>
-              <a:t>Melhorar </a:t>
-            </a:r>
-            <a:r>
-              <a:rPr lang="pt-BR" sz="2800" dirty="0" smtClean="0"/>
-              <a:t>o tratamento de erro do compilador, principalmente para apresentar informações mais detalhadas de eventuais erros sintáticos e semânticos.</a:t>
+              <a:t>Melhorar o tratamento de erro do compilador, principalmente para apresentar informações mais detalhadas de eventuais erros sintáticos e semânticos.</a:t>
             </a:r>
             <a:endParaRPr lang="pt-BR" sz="2800" dirty="0"/>
+          </a:p>
+        </p:txBody>
+      </p:sp>
+      <p:sp>
+        <p:nvSpPr>
+          <p:cNvPr id="5" name="Espaço Reservado para Número de Slide 4"/>
+          <p:cNvSpPr>
+            <a:spLocks noGrp="1"/>
+          </p:cNvSpPr>
+          <p:nvPr>
+            <p:ph type="sldNum" sz="quarter" idx="12"/>
+          </p:nvPr>
+        </p:nvSpPr>
+        <p:spPr/>
+        <p:txBody>
+          <a:bodyPr/>
+          <a:lstStyle/>
+          <a:p>
+            <a:fld id="{22DC83F2-CEF4-4466-B126-AAE1AA14D9D1}" type="slidenum">
+              <a:rPr lang="pt-BR" smtClean="0"/>
+              <a:pPr/>
+              <a:t>29</a:t>
+            </a:fld>
+            <a:endParaRPr lang="pt-BR" dirty="0"/>
           </a:p>
         </p:txBody>
       </p:sp>
@@ -7771,6 +7720,30 @@
           </a:p>
         </p:txBody>
       </p:sp>
+      <p:sp>
+        <p:nvSpPr>
+          <p:cNvPr id="5" name="Espaço Reservado para Número de Slide 4"/>
+          <p:cNvSpPr>
+            <a:spLocks noGrp="1"/>
+          </p:cNvSpPr>
+          <p:nvPr>
+            <p:ph type="sldNum" sz="quarter" idx="12"/>
+          </p:nvPr>
+        </p:nvSpPr>
+        <p:spPr/>
+        <p:txBody>
+          <a:bodyPr/>
+          <a:lstStyle/>
+          <a:p>
+            <a:fld id="{22DC83F2-CEF4-4466-B126-AAE1AA14D9D1}" type="slidenum">
+              <a:rPr lang="pt-BR" smtClean="0"/>
+              <a:pPr/>
+              <a:t>3</a:t>
+            </a:fld>
+            <a:endParaRPr lang="pt-BR" dirty="0"/>
+          </a:p>
+        </p:txBody>
+      </p:sp>
     </p:spTree>
   </p:cSld>
   <p:clrMapOvr>
@@ -7858,15 +7831,7 @@
             </a:pPr>
             <a:r>
               <a:rPr lang="pt-BR" sz="4000" dirty="0" smtClean="0"/>
-              <a:t>https</a:t>
-            </a:r>
-            <a:r>
-              <a:rPr lang="pt-BR" sz="4000" dirty="0" smtClean="0"/>
-              <a:t>://</a:t>
-            </a:r>
-            <a:r>
-              <a:rPr lang="pt-BR" sz="4000" dirty="0" smtClean="0"/>
-              <a:t>github.com/fredmbs/logic</a:t>
+              <a:t>https://github.com/fredmbs/logic</a:t>
             </a:r>
           </a:p>
           <a:p>
@@ -7890,6 +7855,30 @@
               <a:t>Obrigado!</a:t>
             </a:r>
             <a:endParaRPr lang="pt-BR" sz="4000" dirty="0"/>
+          </a:p>
+        </p:txBody>
+      </p:sp>
+      <p:sp>
+        <p:nvSpPr>
+          <p:cNvPr id="5" name="Espaço Reservado para Número de Slide 4"/>
+          <p:cNvSpPr>
+            <a:spLocks noGrp="1"/>
+          </p:cNvSpPr>
+          <p:nvPr>
+            <p:ph type="sldNum" sz="quarter" idx="12"/>
+          </p:nvPr>
+        </p:nvSpPr>
+        <p:spPr/>
+        <p:txBody>
+          <a:bodyPr/>
+          <a:lstStyle/>
+          <a:p>
+            <a:fld id="{22DC83F2-CEF4-4466-B126-AAE1AA14D9D1}" type="slidenum">
+              <a:rPr lang="pt-BR" smtClean="0"/>
+              <a:pPr/>
+              <a:t>30</a:t>
+            </a:fld>
+            <a:endParaRPr lang="pt-BR" dirty="0"/>
           </a:p>
         </p:txBody>
       </p:sp>
@@ -7965,13 +7954,13 @@
           <a:p>
             <a:r>
               <a:rPr lang="pt-BR" sz="3200" dirty="0" smtClean="0"/>
-              <a:t>Universo semântico de fórmula lógica é obtido pela sua interpretação, ou seja, valores aplicados a suas variáveis. Universo semântico.</a:t>
+              <a:t>Universo semântico de fórmula lógica é obtido pela sua interpretação, ou seja, valores aplicados a suas variáveis. </a:t>
             </a:r>
           </a:p>
           <a:p>
             <a:r>
               <a:rPr lang="pt-BR" sz="3200" dirty="0" smtClean="0"/>
-              <a:t>Universo sintático é obtido pelas derivações, ou seja, pela aplicação das inferências sobre os elementos simbólicos, sem considerar os resultados concretos (prova). Universo sintático.</a:t>
+              <a:t>Universo sintático é obtido pelas derivações, ou seja, pela aplicação das inferências sobre os elementos simbólicos, sem considerar os resultados concretos (prova). </a:t>
             </a:r>
             <a:endParaRPr lang="pt-BR" sz="3200" dirty="0"/>
           </a:p>
@@ -8001,6 +7990,30 @@
           </a:prstGeom>
         </p:spPr>
       </p:pic>
+      <p:sp>
+        <p:nvSpPr>
+          <p:cNvPr id="6" name="Espaço Reservado para Número de Slide 5"/>
+          <p:cNvSpPr>
+            <a:spLocks noGrp="1"/>
+          </p:cNvSpPr>
+          <p:nvPr>
+            <p:ph type="sldNum" sz="quarter" idx="12"/>
+          </p:nvPr>
+        </p:nvSpPr>
+        <p:spPr/>
+        <p:txBody>
+          <a:bodyPr/>
+          <a:lstStyle/>
+          <a:p>
+            <a:fld id="{22DC83F2-CEF4-4466-B126-AAE1AA14D9D1}" type="slidenum">
+              <a:rPr lang="pt-BR" smtClean="0"/>
+              <a:pPr/>
+              <a:t>4</a:t>
+            </a:fld>
+            <a:endParaRPr lang="pt-BR" dirty="0"/>
+          </a:p>
+        </p:txBody>
+      </p:sp>
     </p:spTree>
   </p:cSld>
   <p:clrMapOvr>
@@ -8085,29 +8098,13 @@
           <a:p>
             <a:r>
               <a:rPr lang="pt-BR" sz="2800" dirty="0" smtClean="0"/>
-              <a:t>Sistema lógico completo:  </a:t>
-            </a:r>
+              <a:t>Sistema lógico completo:  𝛤 ⊨ 𝜑 → 𝛤 ⊢ 𝜑</a:t>
+            </a:r>
+          </a:p>
+          <a:p>
             <a:r>
               <a:rPr lang="pt-BR" sz="2800" dirty="0" smtClean="0"/>
-              <a:t>𝛤</a:t>
-            </a:r>
-            <a:r>
-              <a:rPr lang="pt-BR" sz="2800" dirty="0" smtClean="0"/>
-              <a:t> ⊨ 𝜑 → 𝛤 ⊢ 𝜑</a:t>
-            </a:r>
-          </a:p>
-          <a:p>
-            <a:r>
-              <a:rPr lang="pt-BR" sz="2800" dirty="0" smtClean="0"/>
-              <a:t>Sistema lógico correto:     </a:t>
-            </a:r>
-            <a:r>
-              <a:rPr lang="pt-BR" sz="2800" dirty="0" smtClean="0"/>
-              <a:t>𝛤</a:t>
-            </a:r>
-            <a:r>
-              <a:rPr lang="pt-BR" sz="2800" dirty="0" smtClean="0"/>
-              <a:t> ⊢ 𝜑  → 𝛤 ⊨ 𝜑</a:t>
+              <a:t>Sistema lógico correto:     𝛤 ⊢ 𝜑  → 𝛤 ⊨ 𝜑</a:t>
             </a:r>
             <a:endParaRPr lang="pt-BR" sz="2800" dirty="0"/>
           </a:p>
@@ -8137,6 +8134,30 @@
           </a:prstGeom>
         </p:spPr>
       </p:pic>
+      <p:sp>
+        <p:nvSpPr>
+          <p:cNvPr id="6" name="Espaço Reservado para Número de Slide 5"/>
+          <p:cNvSpPr>
+            <a:spLocks noGrp="1"/>
+          </p:cNvSpPr>
+          <p:nvPr>
+            <p:ph type="sldNum" sz="quarter" idx="12"/>
+          </p:nvPr>
+        </p:nvSpPr>
+        <p:spPr/>
+        <p:txBody>
+          <a:bodyPr/>
+          <a:lstStyle/>
+          <a:p>
+            <a:fld id="{22DC83F2-CEF4-4466-B126-AAE1AA14D9D1}" type="slidenum">
+              <a:rPr lang="pt-BR" smtClean="0"/>
+              <a:pPr/>
+              <a:t>5</a:t>
+            </a:fld>
+            <a:endParaRPr lang="pt-BR" dirty="0"/>
+          </a:p>
+        </p:txBody>
+      </p:sp>
     </p:spTree>
   </p:cSld>
   <p:clrMapOvr>
@@ -8222,6 +8243,30 @@
           </a:p>
         </p:txBody>
       </p:sp>
+      <p:sp>
+        <p:nvSpPr>
+          <p:cNvPr id="5" name="Espaço Reservado para Número de Slide 4"/>
+          <p:cNvSpPr>
+            <a:spLocks noGrp="1"/>
+          </p:cNvSpPr>
+          <p:nvPr>
+            <p:ph type="sldNum" sz="quarter" idx="12"/>
+          </p:nvPr>
+        </p:nvSpPr>
+        <p:spPr/>
+        <p:txBody>
+          <a:bodyPr/>
+          <a:lstStyle/>
+          <a:p>
+            <a:fld id="{22DC83F2-CEF4-4466-B126-AAE1AA14D9D1}" type="slidenum">
+              <a:rPr lang="pt-BR" smtClean="0"/>
+              <a:pPr/>
+              <a:t>6</a:t>
+            </a:fld>
+            <a:endParaRPr lang="pt-BR" dirty="0"/>
+          </a:p>
+        </p:txBody>
+      </p:sp>
     </p:spTree>
   </p:cSld>
   <p:clrMapOvr>
@@ -8295,15 +8340,7 @@
           <a:p>
             <a:r>
               <a:rPr lang="pt-BR" sz="2800" dirty="0" smtClean="0"/>
-              <a:t>Algoritmo DPLL (</a:t>
-            </a:r>
-            <a:r>
-              <a:rPr lang="pt-BR" sz="2800" dirty="0" smtClean="0"/>
-              <a:t>Davis-Putnam-Logemann-Loveland</a:t>
-            </a:r>
-            <a:r>
-              <a:rPr lang="pt-BR" sz="2800" dirty="0" smtClean="0"/>
-              <a:t>) é um método sintático de lógica proposicional que lida com fórmulas em CNF (forma conjuntiva normal).</a:t>
+              <a:t>Algoritmo DPLL (Davis-Putnam-Logemann-Loveland) é um método sintático de lógica proposicional que lida com fórmulas em CNF (forma conjuntiva normal).</a:t>
             </a:r>
           </a:p>
           <a:p>
@@ -8318,6 +8355,30 @@
               <a:t>Tableau semânticos, método de inferência, ou seja, sintático, que apresenta solução em forma de árvore de prova. Adequado para lógicas de predicado.</a:t>
             </a:r>
             <a:endParaRPr lang="pt-BR" sz="2800" dirty="0"/>
+          </a:p>
+        </p:txBody>
+      </p:sp>
+      <p:sp>
+        <p:nvSpPr>
+          <p:cNvPr id="5" name="Espaço Reservado para Número de Slide 4"/>
+          <p:cNvSpPr>
+            <a:spLocks noGrp="1"/>
+          </p:cNvSpPr>
+          <p:nvPr>
+            <p:ph type="sldNum" sz="quarter" idx="12"/>
+          </p:nvPr>
+        </p:nvSpPr>
+        <p:spPr/>
+        <p:txBody>
+          <a:bodyPr/>
+          <a:lstStyle/>
+          <a:p>
+            <a:fld id="{22DC83F2-CEF4-4466-B126-AAE1AA14D9D1}" type="slidenum">
+              <a:rPr lang="pt-BR" smtClean="0"/>
+              <a:pPr/>
+              <a:t>7</a:t>
+            </a:fld>
+            <a:endParaRPr lang="pt-BR" dirty="0"/>
           </a:p>
         </p:txBody>
       </p:sp>
@@ -8393,15 +8454,7 @@
           <a:p>
             <a:r>
               <a:rPr lang="pt-BR" dirty="0" smtClean="0"/>
-              <a:t>Algoritmos proposto independentemente no início dos anos de 1920 por Ludwig Wittgenstein e Emil Leon </a:t>
-            </a:r>
-            <a:r>
-              <a:rPr lang="pt-BR" dirty="0" smtClean="0"/>
-              <a:t>Post</a:t>
-            </a:r>
-            <a:r>
-              <a:rPr lang="pt-BR" dirty="0" smtClean="0"/>
-              <a:t>. </a:t>
+              <a:t>Algoritmos proposto independentemente no início dos anos de 1920 por Ludwig Wittgenstein e Emil Leon Post. </a:t>
             </a:r>
           </a:p>
           <a:p>
@@ -8548,6 +8601,30 @@
               </a:rPr>
               <a:t>\----------------------------/</a:t>
             </a:r>
+          </a:p>
+        </p:txBody>
+      </p:sp>
+      <p:sp>
+        <p:nvSpPr>
+          <p:cNvPr id="6" name="Espaço Reservado para Número de Slide 5"/>
+          <p:cNvSpPr>
+            <a:spLocks noGrp="1"/>
+          </p:cNvSpPr>
+          <p:nvPr>
+            <p:ph type="sldNum" sz="quarter" idx="12"/>
+          </p:nvPr>
+        </p:nvSpPr>
+        <p:spPr/>
+        <p:txBody>
+          <a:bodyPr/>
+          <a:lstStyle/>
+          <a:p>
+            <a:fld id="{22DC83F2-CEF4-4466-B126-AAE1AA14D9D1}" type="slidenum">
+              <a:rPr lang="pt-BR" smtClean="0"/>
+              <a:pPr/>
+              <a:t>8</a:t>
+            </a:fld>
+            <a:endParaRPr lang="pt-BR" dirty="0"/>
           </a:p>
         </p:txBody>
       </p:sp>
@@ -8623,29 +8700,13 @@
           <a:p>
             <a:r>
               <a:rPr lang="pt-BR" sz="3200" dirty="0" smtClean="0"/>
-              <a:t>Proposto originalmente por </a:t>
-            </a:r>
+              <a:t>Proposto originalmente por Evert Willem Beth em forma de tabela dividida em coluna verdadeira e falsa.</a:t>
+            </a:r>
+          </a:p>
+          <a:p>
             <a:r>
               <a:rPr lang="pt-BR" sz="3200" dirty="0" smtClean="0"/>
-              <a:t>Evert</a:t>
-            </a:r>
-            <a:r>
-              <a:rPr lang="pt-BR" sz="3200" dirty="0" smtClean="0"/>
-              <a:t> Willem Beth em forma de tabela dividida em coluna verdadeira e falsa.</a:t>
-            </a:r>
-          </a:p>
-          <a:p>
-            <a:r>
-              <a:rPr lang="pt-BR" sz="3200" dirty="0" smtClean="0"/>
-              <a:t>Baseado no princípio de eliminação de regras de inferência com cortes provado por Gerhard </a:t>
-            </a:r>
-            <a:r>
-              <a:rPr lang="pt-BR" sz="3200" dirty="0" smtClean="0"/>
-              <a:t>Gentzen</a:t>
-            </a:r>
-            <a:r>
-              <a:rPr lang="pt-BR" sz="3200" dirty="0" smtClean="0"/>
-              <a:t>.</a:t>
+              <a:t>Baseado no princípio de eliminação de regras de inferência com cortes provado por Gerhard Gentzen.</a:t>
             </a:r>
           </a:p>
           <a:p>
@@ -8688,6 +8749,30 @@
           </a:ln>
         </p:spPr>
       </p:pic>
+      <p:sp>
+        <p:nvSpPr>
+          <p:cNvPr id="6" name="Espaço Reservado para Número de Slide 5"/>
+          <p:cNvSpPr>
+            <a:spLocks noGrp="1"/>
+          </p:cNvSpPr>
+          <p:nvPr>
+            <p:ph type="sldNum" sz="quarter" idx="12"/>
+          </p:nvPr>
+        </p:nvSpPr>
+        <p:spPr/>
+        <p:txBody>
+          <a:bodyPr/>
+          <a:lstStyle/>
+          <a:p>
+            <a:fld id="{22DC83F2-CEF4-4466-B126-AAE1AA14D9D1}" type="slidenum">
+              <a:rPr lang="pt-BR" smtClean="0"/>
+              <a:pPr/>
+              <a:t>9</a:t>
+            </a:fld>
+            <a:endParaRPr lang="pt-BR" dirty="0"/>
+          </a:p>
+        </p:txBody>
+      </p:sp>
     </p:spTree>
   </p:cSld>
   <p:clrMapOvr>
